--- a/Apresentação - Sprint 2(1).pptx
+++ b/Apresentação - Sprint 2(1).pptx
@@ -11,14 +11,14 @@
     <p:sldId id="257" r:id="rId5"/>
     <p:sldId id="259" r:id="rId6"/>
     <p:sldId id="265" r:id="rId7"/>
-    <p:sldId id="260" r:id="rId8"/>
-    <p:sldId id="276" r:id="rId9"/>
-    <p:sldId id="268" r:id="rId10"/>
-    <p:sldId id="273" r:id="rId11"/>
-    <p:sldId id="270" r:id="rId12"/>
-    <p:sldId id="277" r:id="rId13"/>
-    <p:sldId id="279" r:id="rId14"/>
-    <p:sldId id="278" r:id="rId15"/>
+    <p:sldId id="276" r:id="rId8"/>
+    <p:sldId id="268" r:id="rId9"/>
+    <p:sldId id="273" r:id="rId10"/>
+    <p:sldId id="270" r:id="rId11"/>
+    <p:sldId id="277" r:id="rId12"/>
+    <p:sldId id="279" r:id="rId13"/>
+    <p:sldId id="278" r:id="rId14"/>
+    <p:sldId id="280" r:id="rId15"/>
     <p:sldId id="274" r:id="rId16"/>
     <p:sldId id="272" r:id="rId17"/>
   </p:sldIdLst>
@@ -121,7 +121,7 @@
   </p:defaultTextStyle>
   <p:extLst>
     <p:ext uri="{EFAFB233-063F-42B5-8137-9DF3F51BA10A}">
-      <p15:sldGuideLst xmlns:p15="http://schemas.microsoft.com/office/powerpoint/2012/main"/>
+      <p15:sldGuideLst xmlns:p15="http://schemas.microsoft.com/office/powerpoint/2012/main" xmlns=""/>
     </p:ext>
   </p:extLst>
 </p:presentation>
@@ -269,7 +269,7 @@
           <a:p>
             <a:fld id="{4AAD347D-5ACD-4C99-B74B-A9C85AD731AF}" type="datetimeFigureOut">
               <a:rPr lang="en-US" smtClean="0"/>
-              <a:t>4/26/2016</a:t>
+              <a:t>4/27/2016</a:t>
             </a:fld>
             <a:endParaRPr lang="en-US" dirty="0"/>
           </a:p>
@@ -311,7 +311,7 @@
           <a:p>
             <a:fld id="{D57F1E4F-1CFF-5643-939E-02111984F565}" type="slidenum">
               <a:rPr lang="en-US" smtClean="0"/>
-              <a:t>‹#›</a:t>
+              <a:t>‹nº›</a:t>
             </a:fld>
             <a:endParaRPr lang="en-US" dirty="0"/>
           </a:p>
@@ -439,7 +439,7 @@
           <a:p>
             <a:fld id="{4509A250-FF31-4206-8172-F9D3106AACB1}" type="datetimeFigureOut">
               <a:rPr lang="en-US" smtClean="0"/>
-              <a:t>4/26/2016</a:t>
+              <a:t>4/27/2016</a:t>
             </a:fld>
             <a:endParaRPr lang="en-US" dirty="0"/>
           </a:p>
@@ -481,7 +481,7 @@
           <a:p>
             <a:fld id="{D57F1E4F-1CFF-5643-939E-02111984F565}" type="slidenum">
               <a:rPr lang="en-US" smtClean="0"/>
-              <a:t>‹#›</a:t>
+              <a:t>‹nº›</a:t>
             </a:fld>
             <a:endParaRPr lang="en-US" dirty="0"/>
           </a:p>
@@ -619,7 +619,7 @@
           <a:p>
             <a:fld id="{4509A250-FF31-4206-8172-F9D3106AACB1}" type="datetimeFigureOut">
               <a:rPr lang="en-US" smtClean="0"/>
-              <a:t>4/26/2016</a:t>
+              <a:t>4/27/2016</a:t>
             </a:fld>
             <a:endParaRPr lang="en-US" dirty="0"/>
           </a:p>
@@ -661,7 +661,7 @@
           <a:p>
             <a:fld id="{D57F1E4F-1CFF-5643-939E-02111984F565}" type="slidenum">
               <a:rPr lang="en-US" smtClean="0"/>
-              <a:t>‹#›</a:t>
+              <a:t>‹nº›</a:t>
             </a:fld>
             <a:endParaRPr lang="en-US" dirty="0"/>
           </a:p>
@@ -822,7 +822,7 @@
           <a:p>
             <a:fld id="{4AAD347D-5ACD-4C99-B74B-A9C85AD731AF}" type="datetimeFigureOut">
               <a:rPr lang="en-US" smtClean="0"/>
-              <a:t>4/26/2016</a:t>
+              <a:t>4/27/2016</a:t>
             </a:fld>
             <a:endParaRPr lang="en-US" dirty="0"/>
           </a:p>
@@ -864,7 +864,7 @@
           <a:p>
             <a:fld id="{D57F1E4F-1CFF-5643-939E-02111984F565}" type="slidenum">
               <a:rPr lang="en-US" smtClean="0"/>
-              <a:t>‹#›</a:t>
+              <a:t>‹nº›</a:t>
             </a:fld>
             <a:endParaRPr lang="en-US" dirty="0"/>
           </a:p>
@@ -992,7 +992,7 @@
           <a:p>
             <a:fld id="{4509A250-FF31-4206-8172-F9D3106AACB1}" type="datetimeFigureOut">
               <a:rPr lang="en-US" smtClean="0"/>
-              <a:t>4/26/2016</a:t>
+              <a:t>4/27/2016</a:t>
             </a:fld>
             <a:endParaRPr lang="en-US" dirty="0"/>
           </a:p>
@@ -1034,7 +1034,7 @@
           <a:p>
             <a:fld id="{D57F1E4F-1CFF-5643-939E-02111984F565}" type="slidenum">
               <a:rPr lang="en-US" smtClean="0"/>
-              <a:t>‹#›</a:t>
+              <a:t>‹nº›</a:t>
             </a:fld>
             <a:endParaRPr lang="en-US" dirty="0"/>
           </a:p>
@@ -1243,7 +1243,7 @@
           <a:p>
             <a:fld id="{9796027F-7875-4030-9381-8BD8C4F21935}" type="datetimeFigureOut">
               <a:rPr lang="en-US" smtClean="0"/>
-              <a:t>4/26/2016</a:t>
+              <a:t>4/27/2016</a:t>
             </a:fld>
             <a:endParaRPr lang="en-US" dirty="0"/>
           </a:p>
@@ -1285,7 +1285,7 @@
           <a:p>
             <a:fld id="{D57F1E4F-1CFF-5643-939E-02111984F565}" type="slidenum">
               <a:rPr lang="en-US" smtClean="0"/>
-              <a:t>‹#›</a:t>
+              <a:t>‹nº›</a:t>
             </a:fld>
             <a:endParaRPr lang="en-US" dirty="0"/>
           </a:p>
@@ -1475,7 +1475,7 @@
           <a:p>
             <a:fld id="{9796027F-7875-4030-9381-8BD8C4F21935}" type="datetimeFigureOut">
               <a:rPr lang="en-US" smtClean="0"/>
-              <a:t>4/26/2016</a:t>
+              <a:t>4/27/2016</a:t>
             </a:fld>
             <a:endParaRPr lang="en-US" dirty="0"/>
           </a:p>
@@ -1517,7 +1517,7 @@
           <a:p>
             <a:fld id="{D57F1E4F-1CFF-5643-939E-02111984F565}" type="slidenum">
               <a:rPr lang="en-US" smtClean="0"/>
-              <a:t>‹#›</a:t>
+              <a:t>‹nº›</a:t>
             </a:fld>
             <a:endParaRPr lang="en-US" dirty="0"/>
           </a:p>
@@ -1822,7 +1822,7 @@
           <a:p>
             <a:fld id="{9796027F-7875-4030-9381-8BD8C4F21935}" type="datetimeFigureOut">
               <a:rPr lang="en-US" smtClean="0"/>
-              <a:t>4/26/2016</a:t>
+              <a:t>4/27/2016</a:t>
             </a:fld>
             <a:endParaRPr lang="en-US" dirty="0"/>
           </a:p>
@@ -1864,7 +1864,7 @@
           <a:p>
             <a:fld id="{D57F1E4F-1CFF-5643-939E-02111984F565}" type="slidenum">
               <a:rPr lang="en-US" smtClean="0"/>
-              <a:t>‹#›</a:t>
+              <a:t>‹nº›</a:t>
             </a:fld>
             <a:endParaRPr lang="en-US" dirty="0"/>
           </a:p>
@@ -1940,7 +1940,7 @@
           <a:p>
             <a:fld id="{4509A250-FF31-4206-8172-F9D3106AACB1}" type="datetimeFigureOut">
               <a:rPr lang="en-US" smtClean="0"/>
-              <a:t>4/26/2016</a:t>
+              <a:t>4/27/2016</a:t>
             </a:fld>
             <a:endParaRPr lang="en-US" dirty="0"/>
           </a:p>
@@ -1982,7 +1982,7 @@
           <a:p>
             <a:fld id="{D57F1E4F-1CFF-5643-939E-02111984F565}" type="slidenum">
               <a:rPr lang="en-US" smtClean="0"/>
-              <a:t>‹#›</a:t>
+              <a:t>‹nº›</a:t>
             </a:fld>
             <a:endParaRPr lang="en-US" dirty="0"/>
           </a:p>
@@ -2058,7 +2058,7 @@
           <a:p>
             <a:fld id="{4509A250-FF31-4206-8172-F9D3106AACB1}" type="datetimeFigureOut">
               <a:rPr lang="en-US" smtClean="0"/>
-              <a:t>4/26/2016</a:t>
+              <a:t>4/27/2016</a:t>
             </a:fld>
             <a:endParaRPr lang="en-US" dirty="0"/>
           </a:p>
@@ -2100,7 +2100,7 @@
           <a:p>
             <a:fld id="{D57F1E4F-1CFF-5643-939E-02111984F565}" type="slidenum">
               <a:rPr lang="en-US" smtClean="0"/>
-              <a:t>‹#›</a:t>
+              <a:t>‹nº›</a:t>
             </a:fld>
             <a:endParaRPr lang="en-US" dirty="0"/>
           </a:p>
@@ -2342,7 +2342,7 @@
           <a:p>
             <a:fld id="{4509A250-FF31-4206-8172-F9D3106AACB1}" type="datetimeFigureOut">
               <a:rPr lang="en-US" smtClean="0"/>
-              <a:t>4/26/2016</a:t>
+              <a:t>4/27/2016</a:t>
             </a:fld>
             <a:endParaRPr lang="en-US" dirty="0"/>
           </a:p>
@@ -2384,7 +2384,7 @@
           <a:p>
             <a:fld id="{D57F1E4F-1CFF-5643-939E-02111984F565}" type="slidenum">
               <a:rPr lang="en-US" smtClean="0"/>
-              <a:t>‹#›</a:t>
+              <a:t>‹nº›</a:t>
             </a:fld>
             <a:endParaRPr lang="en-US" dirty="0"/>
           </a:p>
@@ -2512,7 +2512,7 @@
           <a:p>
             <a:fld id="{4509A250-FF31-4206-8172-F9D3106AACB1}" type="datetimeFigureOut">
               <a:rPr lang="en-US" smtClean="0"/>
-              <a:t>4/26/2016</a:t>
+              <a:t>4/27/2016</a:t>
             </a:fld>
             <a:endParaRPr lang="en-US" dirty="0"/>
           </a:p>
@@ -2554,7 +2554,7 @@
           <a:p>
             <a:fld id="{D57F1E4F-1CFF-5643-939E-02111984F565}" type="slidenum">
               <a:rPr lang="en-US" smtClean="0"/>
-              <a:t>‹#›</a:t>
+              <a:t>‹nº›</a:t>
             </a:fld>
             <a:endParaRPr lang="en-US" dirty="0"/>
           </a:p>
@@ -2776,7 +2776,7 @@
           <a:p>
             <a:fld id="{4509A250-FF31-4206-8172-F9D3106AACB1}" type="datetimeFigureOut">
               <a:rPr lang="en-US" smtClean="0"/>
-              <a:t>4/26/2016</a:t>
+              <a:t>4/27/2016</a:t>
             </a:fld>
             <a:endParaRPr lang="en-US" dirty="0"/>
           </a:p>
@@ -2818,7 +2818,7 @@
           <a:p>
             <a:fld id="{D57F1E4F-1CFF-5643-939E-02111984F565}" type="slidenum">
               <a:rPr lang="en-US" smtClean="0"/>
-              <a:t>‹#›</a:t>
+              <a:t>‹nº›</a:t>
             </a:fld>
             <a:endParaRPr lang="en-US" dirty="0"/>
           </a:p>
@@ -2946,7 +2946,7 @@
           <a:p>
             <a:fld id="{4509A250-FF31-4206-8172-F9D3106AACB1}" type="datetimeFigureOut">
               <a:rPr lang="en-US" smtClean="0"/>
-              <a:t>4/26/2016</a:t>
+              <a:t>4/27/2016</a:t>
             </a:fld>
             <a:endParaRPr lang="en-US" dirty="0"/>
           </a:p>
@@ -2988,7 +2988,7 @@
           <a:p>
             <a:fld id="{D57F1E4F-1CFF-5643-939E-02111984F565}" type="slidenum">
               <a:rPr lang="en-US" smtClean="0"/>
-              <a:t>‹#›</a:t>
+              <a:t>‹nº›</a:t>
             </a:fld>
             <a:endParaRPr lang="en-US" dirty="0"/>
           </a:p>
@@ -3126,7 +3126,7 @@
           <a:p>
             <a:fld id="{4509A250-FF31-4206-8172-F9D3106AACB1}" type="datetimeFigureOut">
               <a:rPr lang="en-US" smtClean="0"/>
-              <a:t>4/26/2016</a:t>
+              <a:t>4/27/2016</a:t>
             </a:fld>
             <a:endParaRPr lang="en-US" dirty="0"/>
           </a:p>
@@ -3168,7 +3168,7 @@
           <a:p>
             <a:fld id="{D57F1E4F-1CFF-5643-939E-02111984F565}" type="slidenum">
               <a:rPr lang="en-US" smtClean="0"/>
-              <a:t>‹#›</a:t>
+              <a:t>‹nº›</a:t>
             </a:fld>
             <a:endParaRPr lang="en-US" dirty="0"/>
           </a:p>
@@ -3413,7 +3413,7 @@
           <a:p>
             <a:fld id="{4AAD347D-5ACD-4C99-B74B-A9C85AD731AF}" type="datetimeFigureOut">
               <a:rPr lang="en-US" smtClean="0"/>
-              <a:t>4/26/2016</a:t>
+              <a:t>4/27/2016</a:t>
             </a:fld>
             <a:endParaRPr lang="en-US" dirty="0"/>
           </a:p>
@@ -3455,7 +3455,7 @@
           <a:p>
             <a:fld id="{D57F1E4F-1CFF-5643-939E-02111984F565}" type="slidenum">
               <a:rPr lang="en-US" smtClean="0"/>
-              <a:t>‹#›</a:t>
+              <a:t>‹nº›</a:t>
             </a:fld>
             <a:endParaRPr lang="en-US" dirty="0"/>
           </a:p>
@@ -3625,7 +3625,7 @@
           <a:p>
             <a:fld id="{4509A250-FF31-4206-8172-F9D3106AACB1}" type="datetimeFigureOut">
               <a:rPr lang="en-US" smtClean="0"/>
-              <a:t>4/26/2016</a:t>
+              <a:t>4/27/2016</a:t>
             </a:fld>
             <a:endParaRPr lang="en-US" dirty="0"/>
           </a:p>
@@ -3667,7 +3667,7 @@
           <a:p>
             <a:fld id="{D57F1E4F-1CFF-5643-939E-02111984F565}" type="slidenum">
               <a:rPr lang="en-US" smtClean="0"/>
-              <a:t>‹#›</a:t>
+              <a:t>‹nº›</a:t>
             </a:fld>
             <a:endParaRPr lang="en-US" dirty="0"/>
           </a:p>
@@ -3968,7 +3968,7 @@
           <a:p>
             <a:fld id="{9796027F-7875-4030-9381-8BD8C4F21935}" type="datetimeFigureOut">
               <a:rPr lang="en-US" smtClean="0"/>
-              <a:t>4/26/2016</a:t>
+              <a:t>4/27/2016</a:t>
             </a:fld>
             <a:endParaRPr lang="en-US" dirty="0"/>
           </a:p>
@@ -4010,7 +4010,7 @@
           <a:p>
             <a:fld id="{D57F1E4F-1CFF-5643-939E-02111984F565}" type="slidenum">
               <a:rPr lang="en-US" smtClean="0"/>
-              <a:t>‹#›</a:t>
+              <a:t>‹nº›</a:t>
             </a:fld>
             <a:endParaRPr lang="en-US" dirty="0"/>
           </a:p>
@@ -4243,7 +4243,7 @@
           <a:p>
             <a:fld id="{9796027F-7875-4030-9381-8BD8C4F21935}" type="datetimeFigureOut">
               <a:rPr lang="en-US" smtClean="0"/>
-              <a:t>4/26/2016</a:t>
+              <a:t>4/27/2016</a:t>
             </a:fld>
             <a:endParaRPr lang="en-US" dirty="0"/>
           </a:p>
@@ -4285,7 +4285,7 @@
           <a:p>
             <a:fld id="{D57F1E4F-1CFF-5643-939E-02111984F565}" type="slidenum">
               <a:rPr lang="en-US" smtClean="0"/>
-              <a:t>‹#›</a:t>
+              <a:t>‹nº›</a:t>
             </a:fld>
             <a:endParaRPr lang="en-US" dirty="0"/>
           </a:p>
@@ -4622,7 +4622,7 @@
           <a:p>
             <a:fld id="{9796027F-7875-4030-9381-8BD8C4F21935}" type="datetimeFigureOut">
               <a:rPr lang="en-US" smtClean="0"/>
-              <a:t>4/26/2016</a:t>
+              <a:t>4/27/2016</a:t>
             </a:fld>
             <a:endParaRPr lang="en-US" dirty="0"/>
           </a:p>
@@ -4664,7 +4664,7 @@
           <a:p>
             <a:fld id="{D57F1E4F-1CFF-5643-939E-02111984F565}" type="slidenum">
               <a:rPr lang="en-US" smtClean="0"/>
-              <a:t>‹#›</a:t>
+              <a:t>‹nº›</a:t>
             </a:fld>
             <a:endParaRPr lang="en-US" dirty="0"/>
           </a:p>
@@ -4740,7 +4740,7 @@
           <a:p>
             <a:fld id="{4509A250-FF31-4206-8172-F9D3106AACB1}" type="datetimeFigureOut">
               <a:rPr lang="en-US" smtClean="0"/>
-              <a:t>4/26/2016</a:t>
+              <a:t>4/27/2016</a:t>
             </a:fld>
             <a:endParaRPr lang="en-US" dirty="0"/>
           </a:p>
@@ -4782,7 +4782,7 @@
           <a:p>
             <a:fld id="{D57F1E4F-1CFF-5643-939E-02111984F565}" type="slidenum">
               <a:rPr lang="en-US" smtClean="0"/>
-              <a:t>‹#›</a:t>
+              <a:t>‹nº›</a:t>
             </a:fld>
             <a:endParaRPr lang="en-US" dirty="0"/>
           </a:p>
@@ -4911,7 +4911,7 @@
           <a:p>
             <a:fld id="{4509A250-FF31-4206-8172-F9D3106AACB1}" type="datetimeFigureOut">
               <a:rPr lang="en-US" smtClean="0"/>
-              <a:t>4/26/2016</a:t>
+              <a:t>4/27/2016</a:t>
             </a:fld>
             <a:endParaRPr lang="en-US" dirty="0"/>
           </a:p>
@@ -4961,7 +4961,7 @@
           <a:p>
             <a:fld id="{D57F1E4F-1CFF-5643-939E-02111984F565}" type="slidenum">
               <a:rPr lang="en-US" smtClean="0"/>
-              <a:t>‹#›</a:t>
+              <a:t>‹nº›</a:t>
             </a:fld>
             <a:endParaRPr lang="en-US" dirty="0"/>
           </a:p>
@@ -5170,7 +5170,7 @@
           <a:p>
             <a:fld id="{9796027F-7875-4030-9381-8BD8C4F21935}" type="datetimeFigureOut">
               <a:rPr lang="en-US" smtClean="0"/>
-              <a:t>4/26/2016</a:t>
+              <a:t>4/27/2016</a:t>
             </a:fld>
             <a:endParaRPr lang="en-US" dirty="0"/>
           </a:p>
@@ -5212,7 +5212,7 @@
           <a:p>
             <a:fld id="{D57F1E4F-1CFF-5643-939E-02111984F565}" type="slidenum">
               <a:rPr lang="en-US" smtClean="0"/>
-              <a:t>‹#›</a:t>
+              <a:t>‹nº›</a:t>
             </a:fld>
             <a:endParaRPr lang="en-US" dirty="0"/>
           </a:p>
@@ -5516,7 +5516,7 @@
           <a:p>
             <a:fld id="{4509A250-FF31-4206-8172-F9D3106AACB1}" type="datetimeFigureOut">
               <a:rPr lang="en-US" smtClean="0"/>
-              <a:t>4/26/2016</a:t>
+              <a:t>4/27/2016</a:t>
             </a:fld>
             <a:endParaRPr lang="en-US" dirty="0"/>
           </a:p>
@@ -5579,7 +5579,7 @@
           <a:p>
             <a:fld id="{D57F1E4F-1CFF-5643-939E-02111984F565}" type="slidenum">
               <a:rPr lang="en-US" smtClean="0"/>
-              <a:t>‹#›</a:t>
+              <a:t>‹nº›</a:t>
             </a:fld>
             <a:endParaRPr lang="en-US" dirty="0"/>
           </a:p>
@@ -5898,7 +5898,7 @@
           <a:p>
             <a:fld id="{4509A250-FF31-4206-8172-F9D3106AACB1}" type="datetimeFigureOut">
               <a:rPr lang="en-US" smtClean="0"/>
-              <a:t>4/26/2016</a:t>
+              <a:t>4/27/2016</a:t>
             </a:fld>
             <a:endParaRPr lang="en-US" dirty="0"/>
           </a:p>
@@ -5940,7 +5940,7 @@
           <a:p>
             <a:fld id="{D57F1E4F-1CFF-5643-939E-02111984F565}" type="slidenum">
               <a:rPr lang="en-US" smtClean="0"/>
-              <a:t>‹#›</a:t>
+              <a:t>‹nº›</a:t>
             </a:fld>
             <a:endParaRPr lang="en-US" dirty="0"/>
           </a:p>
@@ -6068,7 +6068,7 @@
           <a:p>
             <a:fld id="{4509A250-FF31-4206-8172-F9D3106AACB1}" type="datetimeFigureOut">
               <a:rPr lang="en-US" smtClean="0"/>
-              <a:t>4/26/2016</a:t>
+              <a:t>4/27/2016</a:t>
             </a:fld>
             <a:endParaRPr lang="en-US" dirty="0"/>
           </a:p>
@@ -6110,7 +6110,7 @@
           <a:p>
             <a:fld id="{D57F1E4F-1CFF-5643-939E-02111984F565}" type="slidenum">
               <a:rPr lang="en-US" smtClean="0"/>
-              <a:t>‹#›</a:t>
+              <a:t>‹nº›</a:t>
             </a:fld>
             <a:endParaRPr lang="en-US" dirty="0"/>
           </a:p>
@@ -6324,7 +6324,7 @@
           <a:p>
             <a:fld id="{4509A250-FF31-4206-8172-F9D3106AACB1}" type="datetimeFigureOut">
               <a:rPr lang="en-US" smtClean="0"/>
-              <a:t>4/26/2016</a:t>
+              <a:t>4/27/2016</a:t>
             </a:fld>
             <a:endParaRPr lang="en-US" dirty="0"/>
           </a:p>
@@ -6366,7 +6366,7 @@
           <a:p>
             <a:fld id="{D57F1E4F-1CFF-5643-939E-02111984F565}" type="slidenum">
               <a:rPr lang="en-US" smtClean="0"/>
-              <a:t>‹#›</a:t>
+              <a:t>‹nº›</a:t>
             </a:fld>
             <a:endParaRPr lang="en-US" dirty="0"/>
           </a:p>
@@ -6556,7 +6556,7 @@
           <a:p>
             <a:fld id="{9796027F-7875-4030-9381-8BD8C4F21935}" type="datetimeFigureOut">
               <a:rPr lang="en-US" smtClean="0"/>
-              <a:t>4/26/2016</a:t>
+              <a:t>4/27/2016</a:t>
             </a:fld>
             <a:endParaRPr lang="en-US" dirty="0"/>
           </a:p>
@@ -6598,7 +6598,7 @@
           <a:p>
             <a:fld id="{D57F1E4F-1CFF-5643-939E-02111984F565}" type="slidenum">
               <a:rPr lang="en-US" smtClean="0"/>
-              <a:t>‹#›</a:t>
+              <a:t>‹nº›</a:t>
             </a:fld>
             <a:endParaRPr lang="en-US" dirty="0"/>
           </a:p>
@@ -6903,7 +6903,7 @@
           <a:p>
             <a:fld id="{9796027F-7875-4030-9381-8BD8C4F21935}" type="datetimeFigureOut">
               <a:rPr lang="en-US" smtClean="0"/>
-              <a:t>4/26/2016</a:t>
+              <a:t>4/27/2016</a:t>
             </a:fld>
             <a:endParaRPr lang="en-US" dirty="0"/>
           </a:p>
@@ -6945,7 +6945,7 @@
           <a:p>
             <a:fld id="{D57F1E4F-1CFF-5643-939E-02111984F565}" type="slidenum">
               <a:rPr lang="en-US" smtClean="0"/>
-              <a:t>‹#›</a:t>
+              <a:t>‹nº›</a:t>
             </a:fld>
             <a:endParaRPr lang="en-US" dirty="0"/>
           </a:p>
@@ -7021,7 +7021,7 @@
           <a:p>
             <a:fld id="{4509A250-FF31-4206-8172-F9D3106AACB1}" type="datetimeFigureOut">
               <a:rPr lang="en-US" smtClean="0"/>
-              <a:t>4/26/2016</a:t>
+              <a:t>4/27/2016</a:t>
             </a:fld>
             <a:endParaRPr lang="en-US" dirty="0"/>
           </a:p>
@@ -7063,7 +7063,7 @@
           <a:p>
             <a:fld id="{D57F1E4F-1CFF-5643-939E-02111984F565}" type="slidenum">
               <a:rPr lang="en-US" smtClean="0"/>
-              <a:t>‹#›</a:t>
+              <a:t>‹nº›</a:t>
             </a:fld>
             <a:endParaRPr lang="en-US" dirty="0"/>
           </a:p>
@@ -7139,7 +7139,7 @@
           <a:p>
             <a:fld id="{4509A250-FF31-4206-8172-F9D3106AACB1}" type="datetimeFigureOut">
               <a:rPr lang="en-US" smtClean="0"/>
-              <a:t>4/26/2016</a:t>
+              <a:t>4/27/2016</a:t>
             </a:fld>
             <a:endParaRPr lang="en-US" dirty="0"/>
           </a:p>
@@ -7181,7 +7181,7 @@
           <a:p>
             <a:fld id="{D57F1E4F-1CFF-5643-939E-02111984F565}" type="slidenum">
               <a:rPr lang="en-US" smtClean="0"/>
-              <a:t>‹#›</a:t>
+              <a:t>‹nº›</a:t>
             </a:fld>
             <a:endParaRPr lang="en-US" dirty="0"/>
           </a:p>
@@ -7423,7 +7423,7 @@
           <a:p>
             <a:fld id="{4509A250-FF31-4206-8172-F9D3106AACB1}" type="datetimeFigureOut">
               <a:rPr lang="en-US" smtClean="0"/>
-              <a:t>4/26/2016</a:t>
+              <a:t>4/27/2016</a:t>
             </a:fld>
             <a:endParaRPr lang="en-US" dirty="0"/>
           </a:p>
@@ -7465,7 +7465,7 @@
           <a:p>
             <a:fld id="{D57F1E4F-1CFF-5643-939E-02111984F565}" type="slidenum">
               <a:rPr lang="en-US" smtClean="0"/>
-              <a:t>‹#›</a:t>
+              <a:t>‹nº›</a:t>
             </a:fld>
             <a:endParaRPr lang="en-US" dirty="0"/>
           </a:p>
@@ -7687,7 +7687,7 @@
           <a:p>
             <a:fld id="{4509A250-FF31-4206-8172-F9D3106AACB1}" type="datetimeFigureOut">
               <a:rPr lang="en-US" smtClean="0"/>
-              <a:t>4/26/2016</a:t>
+              <a:t>4/27/2016</a:t>
             </a:fld>
             <a:endParaRPr lang="en-US" dirty="0"/>
           </a:p>
@@ -7729,7 +7729,7 @@
           <a:p>
             <a:fld id="{D57F1E4F-1CFF-5643-939E-02111984F565}" type="slidenum">
               <a:rPr lang="en-US" smtClean="0"/>
-              <a:t>‹#›</a:t>
+              <a:t>‹nº›</a:t>
             </a:fld>
             <a:endParaRPr lang="en-US" dirty="0"/>
           </a:p>
@@ -7901,7 +7901,7 @@
           <a:p>
             <a:fld id="{4AAD347D-5ACD-4C99-B74B-A9C85AD731AF}" type="datetimeFigureOut">
               <a:rPr lang="en-US" smtClean="0"/>
-              <a:t>4/26/2016</a:t>
+              <a:t>4/27/2016</a:t>
             </a:fld>
             <a:endParaRPr lang="en-US" dirty="0"/>
           </a:p>
@@ -7980,7 +7980,7 @@
           <a:p>
             <a:fld id="{D57F1E4F-1CFF-5643-939E-02111984F565}" type="slidenum">
               <a:rPr lang="en-US" smtClean="0"/>
-              <a:t>‹#›</a:t>
+              <a:t>‹nº›</a:t>
             </a:fld>
             <a:endParaRPr lang="en-US" dirty="0"/>
           </a:p>
@@ -8432,7 +8432,7 @@
           <a:p>
             <a:fld id="{4AAD347D-5ACD-4C99-B74B-A9C85AD731AF}" type="datetimeFigureOut">
               <a:rPr lang="en-US" smtClean="0"/>
-              <a:t>4/26/2016</a:t>
+              <a:t>4/27/2016</a:t>
             </a:fld>
             <a:endParaRPr lang="en-US" dirty="0"/>
           </a:p>
@@ -8511,7 +8511,7 @@
           <a:p>
             <a:fld id="{D57F1E4F-1CFF-5643-939E-02111984F565}" type="slidenum">
               <a:rPr lang="en-US" smtClean="0"/>
-              <a:t>‹#›</a:t>
+              <a:t>‹nº›</a:t>
             </a:fld>
             <a:endParaRPr lang="en-US" dirty="0"/>
           </a:p>
@@ -9036,7 +9036,7 @@
           <a:p>
             <a:fld id="{4AAD347D-5ACD-4C99-B74B-A9C85AD731AF}" type="datetimeFigureOut">
               <a:rPr lang="en-US" smtClean="0"/>
-              <a:t>4/26/2016</a:t>
+              <a:t>4/27/2016</a:t>
             </a:fld>
             <a:endParaRPr lang="en-US" dirty="0"/>
           </a:p>
@@ -9110,7 +9110,7 @@
           <a:p>
             <a:fld id="{D57F1E4F-1CFF-5643-939E-02111984F565}" type="slidenum">
               <a:rPr lang="en-US" smtClean="0"/>
-              <a:t>‹#›</a:t>
+              <a:t>‹nº›</a:t>
             </a:fld>
             <a:endParaRPr lang="en-US" dirty="0"/>
           </a:p>
@@ -10115,196 +10115,6 @@
           <a:chExt cx="0" cy="0"/>
         </a:xfrm>
       </p:grpSpPr>
-      <p:sp>
-        <p:nvSpPr>
-          <p:cNvPr id="3" name="Espaço Reservado para Conteúdo 2"/>
-          <p:cNvSpPr>
-            <a:spLocks noGrp="1"/>
-          </p:cNvSpPr>
-          <p:nvPr>
-            <p:ph idx="1"/>
-          </p:nvPr>
-        </p:nvSpPr>
-        <p:spPr>
-          <a:xfrm>
-            <a:off x="1056068" y="2292438"/>
-            <a:ext cx="10238146" cy="4752305"/>
-          </a:xfrm>
-        </p:spPr>
-        <p:txBody>
-          <a:bodyPr>
-            <a:normAutofit/>
-          </a:bodyPr>
-          <a:lstStyle/>
-          <a:p>
-            <a:pPr>
-              <a:buFont typeface="Wingdings" panose="05000000000000000000" pitchFamily="2" charset="2"/>
-              <a:buChar char="Ø"/>
-            </a:pPr>
-            <a:r>
-              <a:rPr lang="pt-BR" sz="2800" dirty="0"/>
-              <a:t>Sprint Backlog: </a:t>
-            </a:r>
-          </a:p>
-          <a:p>
-            <a:pPr lvl="1">
-              <a:lnSpc>
-                <a:spcPct val="150000"/>
-              </a:lnSpc>
-              <a:buFont typeface="Wingdings" panose="05000000000000000000" pitchFamily="2" charset="2"/>
-              <a:buChar char="ü"/>
-            </a:pPr>
-            <a:r>
-              <a:rPr lang="pt-BR" sz="2400" dirty="0"/>
-              <a:t>Testes do software:</a:t>
-            </a:r>
-          </a:p>
-          <a:p>
-            <a:pPr lvl="1">
-              <a:lnSpc>
-                <a:spcPct val="150000"/>
-              </a:lnSpc>
-              <a:buFont typeface="Wingdings" panose="05000000000000000000" pitchFamily="2" charset="2"/>
-              <a:buChar char="ü"/>
-            </a:pPr>
-            <a:r>
-              <a:rPr lang="pt-BR" sz="2400" dirty="0" err="1"/>
-              <a:t>Assert</a:t>
-            </a:r>
-            <a:r>
-              <a:rPr lang="pt-BR" sz="2400" dirty="0"/>
-              <a:t> </a:t>
-            </a:r>
-            <a:r>
-              <a:rPr lang="pt-BR" sz="2400" dirty="0" err="1"/>
-              <a:t>True</a:t>
-            </a:r>
-            <a:r>
-              <a:rPr lang="pt-BR" sz="2400" dirty="0"/>
-              <a:t> –  Verificar se o dado foi cadastrado no banco;</a:t>
-            </a:r>
-          </a:p>
-          <a:p>
-            <a:pPr lvl="1">
-              <a:lnSpc>
-                <a:spcPct val="150000"/>
-              </a:lnSpc>
-              <a:buFont typeface="Wingdings" panose="05000000000000000000" pitchFamily="2" charset="2"/>
-              <a:buChar char="ü"/>
-            </a:pPr>
-            <a:r>
-              <a:rPr lang="pt-BR" sz="2400" dirty="0"/>
-              <a:t>Assert Equals – Verificar a integridade do dado.</a:t>
-            </a:r>
-          </a:p>
-        </p:txBody>
-      </p:sp>
-      <p:pic>
-        <p:nvPicPr>
-          <p:cNvPr id="4" name="Imagem 3"/>
-          <p:cNvPicPr>
-            <a:picLocks noChangeAspect="1"/>
-          </p:cNvPicPr>
-          <p:nvPr/>
-        </p:nvPicPr>
-        <p:blipFill>
-          <a:blip r:embed="rId2">
-            <a:extLst>
-              <a:ext uri="{28A0092B-C50C-407E-A947-70E740481C1C}">
-                <a14:useLocalDpi xmlns:a14="http://schemas.microsoft.com/office/drawing/2010/main" val="0"/>
-              </a:ext>
-            </a:extLst>
-          </a:blip>
-          <a:stretch>
-            <a:fillRect/>
-          </a:stretch>
-        </p:blipFill>
-        <p:spPr>
-          <a:xfrm>
-            <a:off x="128789" y="117538"/>
-            <a:ext cx="2034862" cy="820690"/>
-          </a:xfrm>
-          <a:prstGeom prst="rect">
-            <a:avLst/>
-          </a:prstGeom>
-        </p:spPr>
-      </p:pic>
-      <p:sp>
-        <p:nvSpPr>
-          <p:cNvPr id="6" name="CaixaDeTexto 5"/>
-          <p:cNvSpPr txBox="1"/>
-          <p:nvPr/>
-        </p:nvSpPr>
-        <p:spPr>
-          <a:xfrm>
-            <a:off x="2163651" y="951965"/>
-            <a:ext cx="8886422" cy="954107"/>
-          </a:xfrm>
-          <a:prstGeom prst="rect">
-            <a:avLst/>
-          </a:prstGeom>
-          <a:noFill/>
-        </p:spPr>
-        <p:txBody>
-          <a:bodyPr wrap="square" rtlCol="0">
-            <a:spAutoFit/>
-          </a:bodyPr>
-          <a:lstStyle/>
-          <a:p>
-            <a:r>
-              <a:rPr lang="pt-BR" sz="2800" dirty="0">
-                <a:solidFill>
-                  <a:schemeClr val="tx1">
-                    <a:lumMod val="75000"/>
-                    <a:lumOff val="25000"/>
-                  </a:schemeClr>
-                </a:solidFill>
-              </a:rPr>
-              <a:t>Product Backlog: Testes do caso de uso.</a:t>
-            </a:r>
-          </a:p>
-          <a:p>
-            <a:endParaRPr lang="pt-BR" sz="2800" dirty="0">
-              <a:solidFill>
-                <a:schemeClr val="tx1">
-                  <a:lumMod val="75000"/>
-                  <a:lumOff val="25000"/>
-                </a:schemeClr>
-              </a:solidFill>
-            </a:endParaRPr>
-          </a:p>
-        </p:txBody>
-      </p:sp>
-    </p:spTree>
-    <p:extLst>
-      <p:ext uri="{BB962C8B-B14F-4D97-AF65-F5344CB8AC3E}">
-        <p14:creationId xmlns:p14="http://schemas.microsoft.com/office/powerpoint/2010/main" val="3214182499"/>
-      </p:ext>
-    </p:extLst>
-  </p:cSld>
-  <p:clrMapOvr>
-    <a:masterClrMapping/>
-  </p:clrMapOvr>
-</p:sld>
-</file>
-
-<file path=ppt/slides/slide11.xml><?xml version="1.0" encoding="utf-8"?>
-<p:sld xmlns:a="http://schemas.openxmlformats.org/drawingml/2006/main" xmlns:r="http://schemas.openxmlformats.org/officeDocument/2006/relationships" xmlns:p="http://schemas.openxmlformats.org/presentationml/2006/main">
-  <p:cSld>
-    <p:spTree>
-      <p:nvGrpSpPr>
-        <p:cNvPr id="1" name=""/>
-        <p:cNvGrpSpPr/>
-        <p:nvPr/>
-      </p:nvGrpSpPr>
-      <p:grpSpPr>
-        <a:xfrm>
-          <a:off x="0" y="0"/>
-          <a:ext cx="0" cy="0"/>
-          <a:chOff x="0" y="0"/>
-          <a:chExt cx="0" cy="0"/>
-        </a:xfrm>
-      </p:grpSpPr>
       <p:pic>
         <p:nvPicPr>
           <p:cNvPr id="5" name="Imagem 4"/>
@@ -10779,7 +10589,7 @@
 </p:sld>
 </file>
 
-<file path=ppt/slides/slide12.xml><?xml version="1.0" encoding="utf-8"?>
+<file path=ppt/slides/slide11.xml><?xml version="1.0" encoding="utf-8"?>
 <p:sld xmlns:a="http://schemas.openxmlformats.org/drawingml/2006/main" xmlns:r="http://schemas.openxmlformats.org/officeDocument/2006/relationships" xmlns:p="http://schemas.openxmlformats.org/presentationml/2006/main">
   <p:cSld>
     <p:spTree>
@@ -10900,7 +10710,7 @@
         </p:nvSpPr>
         <p:spPr>
           <a:xfrm>
-            <a:off x="7356758" y="3460656"/>
+            <a:off x="7726409" y="3460656"/>
             <a:ext cx="4313741" cy="466537"/>
           </a:xfrm>
           <a:prstGeom prst="rect">
@@ -11179,9 +10989,9 @@
       </p:sp>
       <p:pic>
         <p:nvPicPr>
-          <p:cNvPr id="2" name="Imagem 1"/>
+          <p:cNvPr id="1026" name="Picture 2" descr="C:\Users\THIAGO-PC\Downloads\13091701_1159432270741763_1953696658_o.png"/>
           <p:cNvPicPr>
-            <a:picLocks noChangeAspect="1"/>
+            <a:picLocks noChangeAspect="1" noChangeArrowheads="1"/>
           </p:cNvPicPr>
           <p:nvPr/>
         </p:nvPicPr>
@@ -11193,24 +11003,487 @@
               </a:ext>
             </a:extLst>
           </a:blip>
+          <a:srcRect/>
+          <a:stretch>
+            <a:fillRect/>
+          </a:stretch>
+        </p:blipFill>
+        <p:spPr bwMode="auto">
+          <a:xfrm>
+            <a:off x="0" y="1429966"/>
+            <a:ext cx="7547691" cy="3584697"/>
+          </a:xfrm>
+          <a:prstGeom prst="rect">
+            <a:avLst/>
+          </a:prstGeom>
+          <a:noFill/>
+          <a:extLst>
+            <a:ext uri="{909E8E84-426E-40DD-AFC4-6F175D3DCCD1}">
+              <a14:hiddenFill xmlns:a14="http://schemas.microsoft.com/office/drawing/2010/main">
+                <a:solidFill>
+                  <a:srgbClr val="FFFFFF"/>
+                </a:solidFill>
+              </a14:hiddenFill>
+            </a:ext>
+          </a:extLst>
+        </p:spPr>
+      </p:pic>
+    </p:spTree>
+    <p:extLst>
+      <p:ext uri="{BB962C8B-B14F-4D97-AF65-F5344CB8AC3E}">
+        <p14:creationId xmlns:p14="http://schemas.microsoft.com/office/powerpoint/2010/main" val="3568258937"/>
+      </p:ext>
+    </p:extLst>
+  </p:cSld>
+  <p:clrMapOvr>
+    <a:masterClrMapping/>
+  </p:clrMapOvr>
+</p:sld>
+</file>
+
+<file path=ppt/slides/slide12.xml><?xml version="1.0" encoding="utf-8"?>
+<p:sld xmlns:a="http://schemas.openxmlformats.org/drawingml/2006/main" xmlns:r="http://schemas.openxmlformats.org/officeDocument/2006/relationships" xmlns:p="http://schemas.openxmlformats.org/presentationml/2006/main">
+  <p:cSld>
+    <p:spTree>
+      <p:nvGrpSpPr>
+        <p:cNvPr id="1" name=""/>
+        <p:cNvGrpSpPr/>
+        <p:nvPr/>
+      </p:nvGrpSpPr>
+      <p:grpSpPr>
+        <a:xfrm>
+          <a:off x="0" y="0"/>
+          <a:ext cx="0" cy="0"/>
+          <a:chOff x="0" y="0"/>
+          <a:chExt cx="0" cy="0"/>
+        </a:xfrm>
+      </p:grpSpPr>
+      <p:pic>
+        <p:nvPicPr>
+          <p:cNvPr id="7" name="Imagem 6"/>
+          <p:cNvPicPr>
+            <a:picLocks noChangeAspect="1"/>
+          </p:cNvPicPr>
+          <p:nvPr/>
+        </p:nvPicPr>
+        <p:blipFill>
+          <a:blip r:embed="rId2">
+            <a:extLst>
+              <a:ext uri="{28A0092B-C50C-407E-A947-70E740481C1C}">
+                <a14:useLocalDpi xmlns:a14="http://schemas.microsoft.com/office/drawing/2010/main" val="0"/>
+              </a:ext>
+            </a:extLst>
+          </a:blip>
           <a:stretch>
             <a:fillRect/>
           </a:stretch>
         </p:blipFill>
         <p:spPr>
           <a:xfrm>
-            <a:off x="0" y="861990"/>
-            <a:ext cx="6499405" cy="5996010"/>
+            <a:off x="1097625" y="1630025"/>
+            <a:ext cx="10145631" cy="352474"/>
           </a:xfrm>
           <a:prstGeom prst="rect">
             <a:avLst/>
           </a:prstGeom>
+        </p:spPr>
+      </p:pic>
+      <p:pic>
+        <p:nvPicPr>
+          <p:cNvPr id="8" name="Imagem 7"/>
+          <p:cNvPicPr>
+            <a:picLocks noChangeAspect="1"/>
+          </p:cNvPicPr>
+          <p:nvPr/>
+        </p:nvPicPr>
+        <p:blipFill>
+          <a:blip r:embed="rId3">
+            <a:extLst>
+              <a:ext uri="{28A0092B-C50C-407E-A947-70E740481C1C}">
+                <a14:useLocalDpi xmlns:a14="http://schemas.microsoft.com/office/drawing/2010/main" val="0"/>
+              </a:ext>
+            </a:extLst>
+          </a:blip>
+          <a:stretch>
+            <a:fillRect/>
+          </a:stretch>
+        </p:blipFill>
+        <p:spPr>
+          <a:xfrm>
+            <a:off x="131710" y="86767"/>
+            <a:ext cx="1722848" cy="694850"/>
+          </a:xfrm>
+          <a:prstGeom prst="rect">
+            <a:avLst/>
+          </a:prstGeom>
+        </p:spPr>
+      </p:pic>
+      <p:sp>
+        <p:nvSpPr>
+          <p:cNvPr id="4" name="Título 1"/>
+          <p:cNvSpPr>
+            <a:spLocks noGrp="1"/>
+          </p:cNvSpPr>
+          <p:nvPr>
+            <p:ph type="title"/>
+          </p:nvPr>
+        </p:nvSpPr>
+        <p:spPr>
+          <a:xfrm>
+            <a:off x="2424150" y="-10992"/>
+            <a:ext cx="8136527" cy="872981"/>
+          </a:xfrm>
+        </p:spPr>
+        <p:txBody>
+          <a:bodyPr>
+            <a:normAutofit/>
+          </a:bodyPr>
+          <a:lstStyle/>
+          <a:p>
+            <a:pPr algn="ctr"/>
+            <a:r>
+              <a:rPr lang="pt-BR" sz="3100" b="1" dirty="0">
+                <a:latin typeface="Times New Roman" panose="02020603050405020304" pitchFamily="18" charset="0"/>
+                <a:cs typeface="Times New Roman" panose="02020603050405020304" pitchFamily="18" charset="0"/>
+              </a:rPr>
+              <a:t>Testes de software realizados</a:t>
+            </a:r>
+            <a:endParaRPr lang="pt-BR" dirty="0"/>
+          </a:p>
+        </p:txBody>
+      </p:sp>
+      <p:sp>
+        <p:nvSpPr>
+          <p:cNvPr id="9" name="Espaço Reservado para Conteúdo 2"/>
+          <p:cNvSpPr txBox="1">
+            <a:spLocks/>
+          </p:cNvSpPr>
+          <p:nvPr/>
+        </p:nvSpPr>
+        <p:spPr>
+          <a:xfrm>
+            <a:off x="7726409" y="3460656"/>
+            <a:ext cx="4313741" cy="466537"/>
+          </a:xfrm>
+          <a:prstGeom prst="rect">
+            <a:avLst/>
+          </a:prstGeom>
+        </p:spPr>
+        <p:txBody>
+          <a:bodyPr vert="horz" lIns="0" tIns="45720" rIns="0" bIns="45720" rtlCol="0">
+            <a:noAutofit/>
+          </a:bodyPr>
+          <a:lstStyle>
+            <a:lvl1pPr marL="91440" indent="-91440" algn="l" defTabSz="914400" rtl="0" eaLnBrk="1" latinLnBrk="0" hangingPunct="1">
+              <a:lnSpc>
+                <a:spcPct val="90000"/>
+              </a:lnSpc>
+              <a:spcBef>
+                <a:spcPts val="1200"/>
+              </a:spcBef>
+              <a:spcAft>
+                <a:spcPts val="200"/>
+              </a:spcAft>
+              <a:buClr>
+                <a:schemeClr val="accent1"/>
+              </a:buClr>
+              <a:buSzPct val="100000"/>
+              <a:buFont typeface="Calibri" panose="020F0502020204030204" pitchFamily="34" charset="0"/>
+              <a:buChar char=" "/>
+              <a:defRPr sz="2000" kern="1200">
+                <a:solidFill>
+                  <a:schemeClr val="tx1">
+                    <a:lumMod val="75000"/>
+                    <a:lumOff val="25000"/>
+                  </a:schemeClr>
+                </a:solidFill>
+                <a:latin typeface="+mn-lt"/>
+                <a:ea typeface="+mn-ea"/>
+                <a:cs typeface="+mn-cs"/>
+              </a:defRPr>
+            </a:lvl1pPr>
+            <a:lvl2pPr marL="384048" indent="-182880" algn="l" defTabSz="914400" rtl="0" eaLnBrk="1" latinLnBrk="0" hangingPunct="1">
+              <a:lnSpc>
+                <a:spcPct val="90000"/>
+              </a:lnSpc>
+              <a:spcBef>
+                <a:spcPts val="200"/>
+              </a:spcBef>
+              <a:spcAft>
+                <a:spcPts val="400"/>
+              </a:spcAft>
+              <a:buClr>
+                <a:schemeClr val="accent1"/>
+              </a:buClr>
+              <a:buFont typeface="Calibri" pitchFamily="34" charset="0"/>
+              <a:buChar char="◦"/>
+              <a:defRPr sz="1800" kern="1200">
+                <a:solidFill>
+                  <a:schemeClr val="tx1">
+                    <a:lumMod val="75000"/>
+                    <a:lumOff val="25000"/>
+                  </a:schemeClr>
+                </a:solidFill>
+                <a:latin typeface="+mn-lt"/>
+                <a:ea typeface="+mn-ea"/>
+                <a:cs typeface="+mn-cs"/>
+              </a:defRPr>
+            </a:lvl2pPr>
+            <a:lvl3pPr marL="566928" indent="-182880" algn="l" defTabSz="914400" rtl="0" eaLnBrk="1" latinLnBrk="0" hangingPunct="1">
+              <a:lnSpc>
+                <a:spcPct val="90000"/>
+              </a:lnSpc>
+              <a:spcBef>
+                <a:spcPts val="200"/>
+              </a:spcBef>
+              <a:spcAft>
+                <a:spcPts val="400"/>
+              </a:spcAft>
+              <a:buClr>
+                <a:schemeClr val="accent1"/>
+              </a:buClr>
+              <a:buFont typeface="Calibri" pitchFamily="34" charset="0"/>
+              <a:buChar char="◦"/>
+              <a:defRPr sz="1400" kern="1200">
+                <a:solidFill>
+                  <a:schemeClr val="tx1">
+                    <a:lumMod val="75000"/>
+                    <a:lumOff val="25000"/>
+                  </a:schemeClr>
+                </a:solidFill>
+                <a:latin typeface="+mn-lt"/>
+                <a:ea typeface="+mn-ea"/>
+                <a:cs typeface="+mn-cs"/>
+              </a:defRPr>
+            </a:lvl3pPr>
+            <a:lvl4pPr marL="749808" indent="-182880" algn="l" defTabSz="914400" rtl="0" eaLnBrk="1" latinLnBrk="0" hangingPunct="1">
+              <a:lnSpc>
+                <a:spcPct val="90000"/>
+              </a:lnSpc>
+              <a:spcBef>
+                <a:spcPts val="200"/>
+              </a:spcBef>
+              <a:spcAft>
+                <a:spcPts val="400"/>
+              </a:spcAft>
+              <a:buClr>
+                <a:schemeClr val="accent1"/>
+              </a:buClr>
+              <a:buFont typeface="Calibri" pitchFamily="34" charset="0"/>
+              <a:buChar char="◦"/>
+              <a:defRPr sz="1400" kern="1200">
+                <a:solidFill>
+                  <a:schemeClr val="tx1">
+                    <a:lumMod val="75000"/>
+                    <a:lumOff val="25000"/>
+                  </a:schemeClr>
+                </a:solidFill>
+                <a:latin typeface="+mn-lt"/>
+                <a:ea typeface="+mn-ea"/>
+                <a:cs typeface="+mn-cs"/>
+              </a:defRPr>
+            </a:lvl4pPr>
+            <a:lvl5pPr marL="932688" indent="-182880" algn="l" defTabSz="914400" rtl="0" eaLnBrk="1" latinLnBrk="0" hangingPunct="1">
+              <a:lnSpc>
+                <a:spcPct val="90000"/>
+              </a:lnSpc>
+              <a:spcBef>
+                <a:spcPts val="200"/>
+              </a:spcBef>
+              <a:spcAft>
+                <a:spcPts val="400"/>
+              </a:spcAft>
+              <a:buClr>
+                <a:schemeClr val="accent1"/>
+              </a:buClr>
+              <a:buFont typeface="Calibri" pitchFamily="34" charset="0"/>
+              <a:buChar char="◦"/>
+              <a:defRPr sz="1400" kern="1200">
+                <a:solidFill>
+                  <a:schemeClr val="tx1">
+                    <a:lumMod val="75000"/>
+                    <a:lumOff val="25000"/>
+                  </a:schemeClr>
+                </a:solidFill>
+                <a:latin typeface="+mn-lt"/>
+                <a:ea typeface="+mn-ea"/>
+                <a:cs typeface="+mn-cs"/>
+              </a:defRPr>
+            </a:lvl5pPr>
+            <a:lvl6pPr marL="1100000" indent="-228600" algn="l" defTabSz="914400" rtl="0" eaLnBrk="1" latinLnBrk="0" hangingPunct="1">
+              <a:lnSpc>
+                <a:spcPct val="90000"/>
+              </a:lnSpc>
+              <a:spcBef>
+                <a:spcPts val="200"/>
+              </a:spcBef>
+              <a:spcAft>
+                <a:spcPts val="400"/>
+              </a:spcAft>
+              <a:buClr>
+                <a:schemeClr val="accent1"/>
+              </a:buClr>
+              <a:buFont typeface="Calibri" pitchFamily="34" charset="0"/>
+              <a:buChar char="◦"/>
+              <a:defRPr sz="1400" kern="1200">
+                <a:solidFill>
+                  <a:schemeClr val="tx1">
+                    <a:lumMod val="75000"/>
+                    <a:lumOff val="25000"/>
+                  </a:schemeClr>
+                </a:solidFill>
+                <a:latin typeface="+mn-lt"/>
+                <a:ea typeface="+mn-ea"/>
+                <a:cs typeface="+mn-cs"/>
+              </a:defRPr>
+            </a:lvl6pPr>
+            <a:lvl7pPr marL="1300000" indent="-228600" algn="l" defTabSz="914400" rtl="0" eaLnBrk="1" latinLnBrk="0" hangingPunct="1">
+              <a:lnSpc>
+                <a:spcPct val="90000"/>
+              </a:lnSpc>
+              <a:spcBef>
+                <a:spcPts val="200"/>
+              </a:spcBef>
+              <a:spcAft>
+                <a:spcPts val="400"/>
+              </a:spcAft>
+              <a:buClr>
+                <a:schemeClr val="accent1"/>
+              </a:buClr>
+              <a:buFont typeface="Calibri" pitchFamily="34" charset="0"/>
+              <a:buChar char="◦"/>
+              <a:defRPr sz="1400" kern="1200">
+                <a:solidFill>
+                  <a:schemeClr val="tx1">
+                    <a:lumMod val="75000"/>
+                    <a:lumOff val="25000"/>
+                  </a:schemeClr>
+                </a:solidFill>
+                <a:latin typeface="+mn-lt"/>
+                <a:ea typeface="+mn-ea"/>
+                <a:cs typeface="+mn-cs"/>
+              </a:defRPr>
+            </a:lvl7pPr>
+            <a:lvl8pPr marL="1500000" indent="-228600" algn="l" defTabSz="914400" rtl="0" eaLnBrk="1" latinLnBrk="0" hangingPunct="1">
+              <a:lnSpc>
+                <a:spcPct val="90000"/>
+              </a:lnSpc>
+              <a:spcBef>
+                <a:spcPts val="200"/>
+              </a:spcBef>
+              <a:spcAft>
+                <a:spcPts val="400"/>
+              </a:spcAft>
+              <a:buClr>
+                <a:schemeClr val="accent1"/>
+              </a:buClr>
+              <a:buFont typeface="Calibri" pitchFamily="34" charset="0"/>
+              <a:buChar char="◦"/>
+              <a:defRPr sz="1400" kern="1200">
+                <a:solidFill>
+                  <a:schemeClr val="tx1">
+                    <a:lumMod val="75000"/>
+                    <a:lumOff val="25000"/>
+                  </a:schemeClr>
+                </a:solidFill>
+                <a:latin typeface="+mn-lt"/>
+                <a:ea typeface="+mn-ea"/>
+                <a:cs typeface="+mn-cs"/>
+              </a:defRPr>
+            </a:lvl8pPr>
+            <a:lvl9pPr marL="1700000" indent="-228600" algn="l" defTabSz="914400" rtl="0" eaLnBrk="1" latinLnBrk="0" hangingPunct="1">
+              <a:lnSpc>
+                <a:spcPct val="90000"/>
+              </a:lnSpc>
+              <a:spcBef>
+                <a:spcPts val="200"/>
+              </a:spcBef>
+              <a:spcAft>
+                <a:spcPts val="400"/>
+              </a:spcAft>
+              <a:buClr>
+                <a:schemeClr val="accent1"/>
+              </a:buClr>
+              <a:buFont typeface="Calibri" pitchFamily="34" charset="0"/>
+              <a:buChar char="◦"/>
+              <a:defRPr sz="1400" kern="1200">
+                <a:solidFill>
+                  <a:schemeClr val="tx1">
+                    <a:lumMod val="75000"/>
+                    <a:lumOff val="25000"/>
+                  </a:schemeClr>
+                </a:solidFill>
+                <a:latin typeface="+mn-lt"/>
+                <a:ea typeface="+mn-ea"/>
+                <a:cs typeface="+mn-cs"/>
+              </a:defRPr>
+            </a:lvl9pPr>
+          </a:lstStyle>
+          <a:p>
+            <a:pPr marL="0" indent="0">
+              <a:buFont typeface="Calibri" panose="020F0502020204030204" pitchFamily="34" charset="0"/>
+              <a:buNone/>
+            </a:pPr>
+            <a:r>
+              <a:rPr lang="pt-BR" dirty="0"/>
+              <a:t>Imagem: Código parcial do teste </a:t>
+            </a:r>
+            <a:r>
+              <a:rPr lang="pt-BR" dirty="0" err="1"/>
+              <a:t>jUnit</a:t>
+            </a:r>
+            <a:r>
+              <a:rPr lang="pt-BR" dirty="0"/>
+              <a:t>.	</a:t>
+            </a:r>
+          </a:p>
+        </p:txBody>
+      </p:sp>
+      <p:pic>
+        <p:nvPicPr>
+          <p:cNvPr id="2050" name="Picture 2" descr="C:\Users\THIAGO-PC\Downloads\13105857_1159432860741704_1867690516_o.png"/>
+          <p:cNvPicPr>
+            <a:picLocks noChangeAspect="1" noChangeArrowheads="1"/>
+          </p:cNvPicPr>
+          <p:nvPr/>
+        </p:nvPicPr>
+        <p:blipFill>
+          <a:blip r:embed="rId4">
+            <a:extLst>
+              <a:ext uri="{28A0092B-C50C-407E-A947-70E740481C1C}">
+                <a14:useLocalDpi xmlns:a14="http://schemas.microsoft.com/office/drawing/2010/main" val="0"/>
+              </a:ext>
+            </a:extLst>
+          </a:blip>
+          <a:srcRect/>
+          <a:stretch>
+            <a:fillRect/>
+          </a:stretch>
+        </p:blipFill>
+        <p:spPr bwMode="auto">
+          <a:xfrm>
+            <a:off x="0" y="1371600"/>
+            <a:ext cx="7568119" cy="3931869"/>
+          </a:xfrm>
+          <a:prstGeom prst="rect">
+            <a:avLst/>
+          </a:prstGeom>
+          <a:noFill/>
+          <a:extLst>
+            <a:ext uri="{909E8E84-426E-40DD-AFC4-6F175D3DCCD1}">
+              <a14:hiddenFill xmlns:a14="http://schemas.microsoft.com/office/drawing/2010/main">
+                <a:solidFill>
+                  <a:srgbClr val="FFFFFF"/>
+                </a:solidFill>
+              </a14:hiddenFill>
+            </a:ext>
+          </a:extLst>
         </p:spPr>
       </p:pic>
     </p:spTree>
     <p:extLst>
       <p:ext uri="{BB962C8B-B14F-4D97-AF65-F5344CB8AC3E}">
-        <p14:creationId xmlns:p14="http://schemas.microsoft.com/office/powerpoint/2010/main" val="3568258937"/>
+        <p14:creationId xmlns:p14="http://schemas.microsoft.com/office/powerpoint/2010/main" val="3062817245"/>
       </p:ext>
     </p:extLst>
   </p:cSld>
@@ -11382,7 +11655,23 @@
             </a:pPr>
             <a:r>
               <a:rPr lang="pt-BR" sz="11200" dirty="0"/>
-              <a:t>A próxima Sprint implementa o caso de uso “Cadastrar vendas” bem como sua respectiva interface;</a:t>
+              <a:t>A próxima Sprint implementa o caso de uso “Cadastrar </a:t>
+            </a:r>
+            <a:r>
+              <a:rPr lang="pt-BR" sz="11200" dirty="0" smtClean="0"/>
+              <a:t>vendas”, “Cadastrar </a:t>
+            </a:r>
+            <a:r>
+              <a:rPr lang="pt-BR" sz="11200" dirty="0" err="1" smtClean="0"/>
+              <a:t>Funcionarios</a:t>
+            </a:r>
+            <a:r>
+              <a:rPr lang="pt-BR" sz="11200" dirty="0" smtClean="0"/>
+              <a:t>” e “Cadastrar Fornecedores” bem </a:t>
+            </a:r>
+            <a:r>
+              <a:rPr lang="pt-BR" sz="11200" dirty="0"/>
+              <a:t>como sua respectiva interface;</a:t>
             </a:r>
           </a:p>
           <a:p>
@@ -12150,1303 +12439,6 @@
           <a:chExt cx="0" cy="0"/>
         </a:xfrm>
       </p:grpSpPr>
-      <p:pic>
-        <p:nvPicPr>
-          <p:cNvPr id="7" name="Imagem 6"/>
-          <p:cNvPicPr>
-            <a:picLocks noChangeAspect="1"/>
-          </p:cNvPicPr>
-          <p:nvPr/>
-        </p:nvPicPr>
-        <p:blipFill>
-          <a:blip r:embed="rId2">
-            <a:extLst>
-              <a:ext uri="{28A0092B-C50C-407E-A947-70E740481C1C}">
-                <a14:useLocalDpi xmlns:a14="http://schemas.microsoft.com/office/drawing/2010/main" val="0"/>
-              </a:ext>
-            </a:extLst>
-          </a:blip>
-          <a:stretch>
-            <a:fillRect/>
-          </a:stretch>
-        </p:blipFill>
-        <p:spPr>
-          <a:xfrm>
-            <a:off x="1004552" y="1634031"/>
-            <a:ext cx="10489067" cy="352474"/>
-          </a:xfrm>
-          <a:prstGeom prst="rect">
-            <a:avLst/>
-          </a:prstGeom>
-        </p:spPr>
-      </p:pic>
-      <p:sp>
-        <p:nvSpPr>
-          <p:cNvPr id="2" name="Título 1"/>
-          <p:cNvSpPr>
-            <a:spLocks noGrp="1"/>
-          </p:cNvSpPr>
-          <p:nvPr>
-            <p:ph type="title"/>
-          </p:nvPr>
-        </p:nvSpPr>
-        <p:spPr>
-          <a:xfrm>
-            <a:off x="2539714" y="183274"/>
-            <a:ext cx="10058400" cy="1450757"/>
-          </a:xfrm>
-        </p:spPr>
-        <p:txBody>
-          <a:bodyPr>
-            <a:normAutofit/>
-          </a:bodyPr>
-          <a:lstStyle/>
-          <a:p>
-            <a:r>
-              <a:rPr lang="pt-BR" altLang="pt-BR" sz="3100" b="1" dirty="0">
-                <a:latin typeface="Times New Roman" panose="02020603050405020304" pitchFamily="18" charset="0"/>
-                <a:cs typeface="Times New Roman" panose="02020603050405020304" pitchFamily="18" charset="0"/>
-              </a:rPr>
-              <a:t>Diagrama e descrição de Caso de uso - Gerenciar Pedido</a:t>
-            </a:r>
-            <a:br>
-              <a:rPr lang="pt-BR" altLang="pt-BR" b="1" dirty="0">
-                <a:latin typeface="Times New Roman" panose="02020603050405020304" pitchFamily="18" charset="0"/>
-                <a:cs typeface="Times New Roman" panose="02020603050405020304" pitchFamily="18" charset="0"/>
-              </a:rPr>
-            </a:br>
-            <a:endParaRPr lang="pt-BR" dirty="0"/>
-          </a:p>
-        </p:txBody>
-      </p:sp>
-      <p:pic>
-        <p:nvPicPr>
-          <p:cNvPr id="4" name="Picture 2"/>
-          <p:cNvPicPr>
-            <a:picLocks noGrp="1" noChangeAspect="1" noChangeArrowheads="1"/>
-          </p:cNvPicPr>
-          <p:nvPr>
-            <p:ph idx="1"/>
-          </p:nvPr>
-        </p:nvPicPr>
-        <p:blipFill>
-          <a:blip r:embed="rId3">
-            <a:extLst>
-              <a:ext uri="{28A0092B-C50C-407E-A947-70E740481C1C}">
-                <a14:useLocalDpi xmlns:a14="http://schemas.microsoft.com/office/drawing/2010/main" val="0"/>
-              </a:ext>
-            </a:extLst>
-          </a:blip>
-          <a:srcRect/>
-          <a:stretch>
-            <a:fillRect/>
-          </a:stretch>
-        </p:blipFill>
-        <p:spPr bwMode="auto">
-          <a:xfrm>
-            <a:off x="388261" y="1546822"/>
-            <a:ext cx="5492280" cy="4480544"/>
-          </a:xfrm>
-          <a:prstGeom prst="rect">
-            <a:avLst/>
-          </a:prstGeom>
-          <a:noFill/>
-          <a:ln>
-            <a:noFill/>
-          </a:ln>
-          <a:extLst>
-            <a:ext uri="{909E8E84-426E-40DD-AFC4-6F175D3DCCD1}">
-              <a14:hiddenFill xmlns:a14="http://schemas.microsoft.com/office/drawing/2010/main">
-                <a:solidFill>
-                  <a:srgbClr val="00B8FF"/>
-                </a:solidFill>
-              </a14:hiddenFill>
-            </a:ext>
-            <a:ext uri="{91240B29-F687-4F45-9708-019B960494DF}">
-              <a14:hiddenLine xmlns:a14="http://schemas.microsoft.com/office/drawing/2010/main" w="9525">
-                <a:solidFill>
-                  <a:schemeClr val="tx1"/>
-                </a:solidFill>
-                <a:miter lim="800000"/>
-                <a:headEnd/>
-                <a:tailEnd/>
-              </a14:hiddenLine>
-            </a:ext>
-          </a:extLst>
-        </p:spPr>
-      </p:pic>
-      <p:graphicFrame>
-        <p:nvGraphicFramePr>
-          <p:cNvPr id="5" name="Tabela 4"/>
-          <p:cNvGraphicFramePr>
-            <a:graphicFrameLocks noGrp="1"/>
-          </p:cNvGraphicFramePr>
-          <p:nvPr>
-            <p:extLst>
-              <p:ext uri="{D42A27DB-BD31-4B8C-83A1-F6EECF244321}">
-                <p14:modId xmlns:p14="http://schemas.microsoft.com/office/powerpoint/2010/main" val="3471960229"/>
-              </p:ext>
-            </p:extLst>
-          </p:nvPr>
-        </p:nvGraphicFramePr>
-        <p:xfrm>
-          <a:off x="4829578" y="1519710"/>
-          <a:ext cx="6893888" cy="4158624"/>
-        </p:xfrm>
-        <a:graphic>
-          <a:graphicData uri="http://schemas.openxmlformats.org/drawingml/2006/table">
-            <a:tbl>
-              <a:tblPr firstRow="1" firstCol="1" bandRow="1">
-                <a:tableStyleId>{5C22544A-7EE6-4342-B048-85BDC9FD1C3A}</a:tableStyleId>
-              </a:tblPr>
-              <a:tblGrid>
-                <a:gridCol w="2940794">
-                  <a:extLst>
-                    <a:ext uri="{9D8B030D-6E8A-4147-A177-3AD203B41FA5}">
-                      <a16:colId xmlns:a16="http://schemas.microsoft.com/office/drawing/2014/main" val="20000"/>
-                    </a:ext>
-                  </a:extLst>
-                </a:gridCol>
-                <a:gridCol w="3953094">
-                  <a:extLst>
-                    <a:ext uri="{9D8B030D-6E8A-4147-A177-3AD203B41FA5}">
-                      <a16:colId xmlns:a16="http://schemas.microsoft.com/office/drawing/2014/main" val="20001"/>
-                    </a:ext>
-                  </a:extLst>
-                </a:gridCol>
-              </a:tblGrid>
-              <a:tr h="231791">
-                <a:tc>
-                  <a:txBody>
-                    <a:bodyPr/>
-                    <a:lstStyle/>
-                    <a:p>
-                      <a:pPr>
-                        <a:lnSpc>
-                          <a:spcPct val="115000"/>
-                        </a:lnSpc>
-                        <a:spcAft>
-                          <a:spcPts val="0"/>
-                        </a:spcAft>
-                      </a:pPr>
-                      <a:r>
-                        <a:rPr lang="pt-BR" sz="1100" dirty="0">
-                          <a:effectLst/>
-                        </a:rPr>
-                        <a:t>Nome do Caso de Uso</a:t>
-                      </a:r>
-                      <a:endParaRPr lang="pt-BR" sz="1100" dirty="0">
-                        <a:effectLst/>
-                        <a:latin typeface="Calibri"/>
-                        <a:ea typeface="Calibri"/>
-                        <a:cs typeface="Times New Roman"/>
-                      </a:endParaRPr>
-                    </a:p>
-                  </a:txBody>
-                  <a:tcPr marL="68584" marR="68584" marT="0" marB="0"/>
-                </a:tc>
-                <a:tc>
-                  <a:txBody>
-                    <a:bodyPr/>
-                    <a:lstStyle/>
-                    <a:p>
-                      <a:pPr>
-                        <a:lnSpc>
-                          <a:spcPct val="115000"/>
-                        </a:lnSpc>
-                        <a:spcAft>
-                          <a:spcPts val="0"/>
-                        </a:spcAft>
-                      </a:pPr>
-                      <a:r>
-                        <a:rPr lang="pt-BR" sz="1100" dirty="0">
-                          <a:effectLst/>
-                        </a:rPr>
-                        <a:t>Gerenciar pedido</a:t>
-                      </a:r>
-                      <a:endParaRPr lang="pt-BR" sz="1100" dirty="0">
-                        <a:effectLst/>
-                        <a:latin typeface="Calibri"/>
-                        <a:ea typeface="Calibri"/>
-                        <a:cs typeface="Times New Roman"/>
-                      </a:endParaRPr>
-                    </a:p>
-                  </a:txBody>
-                  <a:tcPr marL="68584" marR="68584" marT="0" marB="0"/>
-                </a:tc>
-                <a:extLst>
-                  <a:ext uri="{0D108BD9-81ED-4DB2-BD59-A6C34878D82A}">
-                    <a16:rowId xmlns:a16="http://schemas.microsoft.com/office/drawing/2014/main" val="10000"/>
-                  </a:ext>
-                </a:extLst>
-              </a:tr>
-              <a:tr h="231791">
-                <a:tc>
-                  <a:txBody>
-                    <a:bodyPr/>
-                    <a:lstStyle/>
-                    <a:p>
-                      <a:pPr>
-                        <a:lnSpc>
-                          <a:spcPct val="115000"/>
-                        </a:lnSpc>
-                        <a:spcAft>
-                          <a:spcPts val="0"/>
-                        </a:spcAft>
-                      </a:pPr>
-                      <a:r>
-                        <a:rPr lang="pt-BR" sz="1100" dirty="0">
-                          <a:effectLst/>
-                        </a:rPr>
-                        <a:t>Caso de Uso Geral</a:t>
-                      </a:r>
-                      <a:endParaRPr lang="pt-BR" sz="1100" dirty="0">
-                        <a:effectLst/>
-                        <a:latin typeface="Calibri"/>
-                        <a:ea typeface="Calibri"/>
-                        <a:cs typeface="Times New Roman"/>
-                      </a:endParaRPr>
-                    </a:p>
-                  </a:txBody>
-                  <a:tcPr marL="68584" marR="68584" marT="0" marB="0"/>
-                </a:tc>
-                <a:tc>
-                  <a:txBody>
-                    <a:bodyPr/>
-                    <a:lstStyle/>
-                    <a:p>
-                      <a:pPr>
-                        <a:lnSpc>
-                          <a:spcPct val="115000"/>
-                        </a:lnSpc>
-                        <a:spcAft>
-                          <a:spcPts val="0"/>
-                        </a:spcAft>
-                      </a:pPr>
-                      <a:r>
-                        <a:rPr lang="pt-BR" sz="1100">
-                          <a:effectLst/>
-                        </a:rPr>
-                        <a:t> </a:t>
-                      </a:r>
-                      <a:endParaRPr lang="pt-BR" sz="1100">
-                        <a:effectLst/>
-                        <a:latin typeface="Calibri"/>
-                        <a:ea typeface="Calibri"/>
-                        <a:cs typeface="Times New Roman"/>
-                      </a:endParaRPr>
-                    </a:p>
-                  </a:txBody>
-                  <a:tcPr marL="68584" marR="68584" marT="0" marB="0"/>
-                </a:tc>
-                <a:extLst>
-                  <a:ext uri="{0D108BD9-81ED-4DB2-BD59-A6C34878D82A}">
-                    <a16:rowId xmlns:a16="http://schemas.microsoft.com/office/drawing/2014/main" val="10001"/>
-                  </a:ext>
-                </a:extLst>
-              </a:tr>
-              <a:tr h="231791">
-                <a:tc>
-                  <a:txBody>
-                    <a:bodyPr/>
-                    <a:lstStyle/>
-                    <a:p>
-                      <a:pPr>
-                        <a:lnSpc>
-                          <a:spcPct val="115000"/>
-                        </a:lnSpc>
-                        <a:spcAft>
-                          <a:spcPts val="0"/>
-                        </a:spcAft>
-                      </a:pPr>
-                      <a:r>
-                        <a:rPr lang="pt-BR" sz="1100">
-                          <a:effectLst/>
-                        </a:rPr>
-                        <a:t>Ator Principal</a:t>
-                      </a:r>
-                      <a:endParaRPr lang="pt-BR" sz="1100">
-                        <a:effectLst/>
-                        <a:latin typeface="Calibri"/>
-                        <a:ea typeface="Calibri"/>
-                        <a:cs typeface="Times New Roman"/>
-                      </a:endParaRPr>
-                    </a:p>
-                  </a:txBody>
-                  <a:tcPr marL="68584" marR="68584" marT="0" marB="0"/>
-                </a:tc>
-                <a:tc>
-                  <a:txBody>
-                    <a:bodyPr/>
-                    <a:lstStyle/>
-                    <a:p>
-                      <a:pPr>
-                        <a:lnSpc>
-                          <a:spcPct val="115000"/>
-                        </a:lnSpc>
-                        <a:spcAft>
-                          <a:spcPts val="0"/>
-                        </a:spcAft>
-                      </a:pPr>
-                      <a:r>
-                        <a:rPr lang="pt-BR" sz="1100">
-                          <a:effectLst/>
-                        </a:rPr>
-                        <a:t>Funcionário </a:t>
-                      </a:r>
-                      <a:endParaRPr lang="pt-BR" sz="1100">
-                        <a:effectLst/>
-                        <a:latin typeface="Calibri"/>
-                        <a:ea typeface="Calibri"/>
-                        <a:cs typeface="Times New Roman"/>
-                      </a:endParaRPr>
-                    </a:p>
-                  </a:txBody>
-                  <a:tcPr marL="68584" marR="68584" marT="0" marB="0"/>
-                </a:tc>
-                <a:extLst>
-                  <a:ext uri="{0D108BD9-81ED-4DB2-BD59-A6C34878D82A}">
-                    <a16:rowId xmlns:a16="http://schemas.microsoft.com/office/drawing/2014/main" val="10002"/>
-                  </a:ext>
-                </a:extLst>
-              </a:tr>
-              <a:tr h="231791">
-                <a:tc>
-                  <a:txBody>
-                    <a:bodyPr/>
-                    <a:lstStyle/>
-                    <a:p>
-                      <a:pPr>
-                        <a:lnSpc>
-                          <a:spcPct val="115000"/>
-                        </a:lnSpc>
-                        <a:spcAft>
-                          <a:spcPts val="0"/>
-                        </a:spcAft>
-                      </a:pPr>
-                      <a:r>
-                        <a:rPr lang="pt-BR" sz="1100">
-                          <a:effectLst/>
-                        </a:rPr>
-                        <a:t>Atores Secundários</a:t>
-                      </a:r>
-                      <a:endParaRPr lang="pt-BR" sz="1100">
-                        <a:effectLst/>
-                        <a:latin typeface="Calibri"/>
-                        <a:ea typeface="Calibri"/>
-                        <a:cs typeface="Times New Roman"/>
-                      </a:endParaRPr>
-                    </a:p>
-                  </a:txBody>
-                  <a:tcPr marL="68584" marR="68584" marT="0" marB="0"/>
-                </a:tc>
-                <a:tc>
-                  <a:txBody>
-                    <a:bodyPr/>
-                    <a:lstStyle/>
-                    <a:p>
-                      <a:pPr>
-                        <a:lnSpc>
-                          <a:spcPct val="115000"/>
-                        </a:lnSpc>
-                        <a:spcAft>
-                          <a:spcPts val="0"/>
-                        </a:spcAft>
-                      </a:pPr>
-                      <a:r>
-                        <a:rPr lang="pt-BR" sz="1100" dirty="0">
-                          <a:effectLst/>
-                        </a:rPr>
-                        <a:t> </a:t>
-                      </a:r>
-                      <a:endParaRPr lang="pt-BR" sz="1100" dirty="0">
-                        <a:effectLst/>
-                        <a:latin typeface="Calibri"/>
-                        <a:ea typeface="Calibri"/>
-                        <a:cs typeface="Times New Roman"/>
-                      </a:endParaRPr>
-                    </a:p>
-                  </a:txBody>
-                  <a:tcPr marL="68584" marR="68584" marT="0" marB="0"/>
-                </a:tc>
-                <a:extLst>
-                  <a:ext uri="{0D108BD9-81ED-4DB2-BD59-A6C34878D82A}">
-                    <a16:rowId xmlns:a16="http://schemas.microsoft.com/office/drawing/2014/main" val="10003"/>
-                  </a:ext>
-                </a:extLst>
-              </a:tr>
-              <a:tr h="681759">
-                <a:tc>
-                  <a:txBody>
-                    <a:bodyPr/>
-                    <a:lstStyle/>
-                    <a:p>
-                      <a:pPr>
-                        <a:lnSpc>
-                          <a:spcPct val="115000"/>
-                        </a:lnSpc>
-                        <a:spcAft>
-                          <a:spcPts val="0"/>
-                        </a:spcAft>
-                      </a:pPr>
-                      <a:r>
-                        <a:rPr lang="pt-BR" sz="1100" dirty="0">
-                          <a:effectLst/>
-                        </a:rPr>
-                        <a:t>Resumo</a:t>
-                      </a:r>
-                      <a:endParaRPr lang="pt-BR" sz="1100" dirty="0">
-                        <a:effectLst/>
-                        <a:latin typeface="Calibri"/>
-                        <a:ea typeface="Calibri"/>
-                        <a:cs typeface="Times New Roman"/>
-                      </a:endParaRPr>
-                    </a:p>
-                  </a:txBody>
-                  <a:tcPr marL="68584" marR="68584" marT="0" marB="0"/>
-                </a:tc>
-                <a:tc>
-                  <a:txBody>
-                    <a:bodyPr/>
-                    <a:lstStyle/>
-                    <a:p>
-                      <a:pPr>
-                        <a:lnSpc>
-                          <a:spcPct val="115000"/>
-                        </a:lnSpc>
-                        <a:spcAft>
-                          <a:spcPts val="0"/>
-                        </a:spcAft>
-                      </a:pPr>
-                      <a:r>
-                        <a:rPr lang="pt-BR" sz="1100" dirty="0">
-                          <a:effectLst/>
-                        </a:rPr>
-                        <a:t>Este caso de uso descreve as etapas percorridas por um funcionário para acompanhar todos os processos de uma venda </a:t>
-                      </a:r>
-                      <a:endParaRPr lang="pt-BR" sz="1100" dirty="0">
-                        <a:effectLst/>
-                        <a:latin typeface="Calibri"/>
-                        <a:ea typeface="Calibri"/>
-                        <a:cs typeface="Times New Roman"/>
-                      </a:endParaRPr>
-                    </a:p>
-                  </a:txBody>
-                  <a:tcPr marL="68584" marR="68584" marT="0" marB="0"/>
-                </a:tc>
-                <a:extLst>
-                  <a:ext uri="{0D108BD9-81ED-4DB2-BD59-A6C34878D82A}">
-                    <a16:rowId xmlns:a16="http://schemas.microsoft.com/office/drawing/2014/main" val="10004"/>
-                  </a:ext>
-                </a:extLst>
-              </a:tr>
-              <a:tr h="231791">
-                <a:tc>
-                  <a:txBody>
-                    <a:bodyPr/>
-                    <a:lstStyle/>
-                    <a:p>
-                      <a:pPr>
-                        <a:lnSpc>
-                          <a:spcPct val="115000"/>
-                        </a:lnSpc>
-                        <a:spcAft>
-                          <a:spcPts val="0"/>
-                        </a:spcAft>
-                      </a:pPr>
-                      <a:r>
-                        <a:rPr lang="pt-BR" sz="1100">
-                          <a:effectLst/>
-                        </a:rPr>
-                        <a:t>Pré-Condições</a:t>
-                      </a:r>
-                      <a:endParaRPr lang="pt-BR" sz="1100">
-                        <a:effectLst/>
-                        <a:latin typeface="Calibri"/>
-                        <a:ea typeface="Calibri"/>
-                        <a:cs typeface="Times New Roman"/>
-                      </a:endParaRPr>
-                    </a:p>
-                  </a:txBody>
-                  <a:tcPr marL="68584" marR="68584" marT="0" marB="0"/>
-                </a:tc>
-                <a:tc>
-                  <a:txBody>
-                    <a:bodyPr/>
-                    <a:lstStyle/>
-                    <a:p>
-                      <a:pPr>
-                        <a:lnSpc>
-                          <a:spcPct val="115000"/>
-                        </a:lnSpc>
-                        <a:spcAft>
-                          <a:spcPts val="0"/>
-                        </a:spcAft>
-                      </a:pPr>
-                      <a:r>
-                        <a:rPr lang="pt-BR" sz="1100" dirty="0">
-                          <a:effectLst/>
-                        </a:rPr>
-                        <a:t>A venda deve ser executada</a:t>
-                      </a:r>
-                      <a:endParaRPr lang="pt-BR" sz="1100" dirty="0">
-                        <a:effectLst/>
-                        <a:latin typeface="Calibri"/>
-                        <a:ea typeface="Calibri"/>
-                        <a:cs typeface="Times New Roman"/>
-                      </a:endParaRPr>
-                    </a:p>
-                  </a:txBody>
-                  <a:tcPr marL="68584" marR="68584" marT="0" marB="0"/>
-                </a:tc>
-                <a:extLst>
-                  <a:ext uri="{0D108BD9-81ED-4DB2-BD59-A6C34878D82A}">
-                    <a16:rowId xmlns:a16="http://schemas.microsoft.com/office/drawing/2014/main" val="10005"/>
-                  </a:ext>
-                </a:extLst>
-              </a:tr>
-              <a:tr h="231791">
-                <a:tc>
-                  <a:txBody>
-                    <a:bodyPr/>
-                    <a:lstStyle/>
-                    <a:p>
-                      <a:pPr>
-                        <a:lnSpc>
-                          <a:spcPct val="115000"/>
-                        </a:lnSpc>
-                        <a:spcAft>
-                          <a:spcPts val="0"/>
-                        </a:spcAft>
-                      </a:pPr>
-                      <a:r>
-                        <a:rPr lang="pt-BR" sz="1100">
-                          <a:effectLst/>
-                        </a:rPr>
-                        <a:t>Pós-Condições</a:t>
-                      </a:r>
-                      <a:endParaRPr lang="pt-BR" sz="1100">
-                        <a:effectLst/>
-                        <a:latin typeface="Calibri"/>
-                        <a:ea typeface="Calibri"/>
-                        <a:cs typeface="Times New Roman"/>
-                      </a:endParaRPr>
-                    </a:p>
-                  </a:txBody>
-                  <a:tcPr marL="68584" marR="68584" marT="0" marB="0"/>
-                </a:tc>
-                <a:tc>
-                  <a:txBody>
-                    <a:bodyPr/>
-                    <a:lstStyle/>
-                    <a:p>
-                      <a:pPr>
-                        <a:lnSpc>
-                          <a:spcPct val="115000"/>
-                        </a:lnSpc>
-                        <a:spcAft>
-                          <a:spcPts val="0"/>
-                        </a:spcAft>
-                      </a:pPr>
-                      <a:r>
-                        <a:rPr lang="pt-BR" sz="1100" dirty="0">
-                          <a:effectLst/>
-                        </a:rPr>
-                        <a:t>Receber o pagamento</a:t>
-                      </a:r>
-                      <a:endParaRPr lang="pt-BR" sz="1100" dirty="0">
-                        <a:effectLst/>
-                        <a:latin typeface="Calibri"/>
-                        <a:ea typeface="Calibri"/>
-                        <a:cs typeface="Times New Roman"/>
-                      </a:endParaRPr>
-                    </a:p>
-                  </a:txBody>
-                  <a:tcPr marL="68584" marR="68584" marT="0" marB="0"/>
-                </a:tc>
-                <a:extLst>
-                  <a:ext uri="{0D108BD9-81ED-4DB2-BD59-A6C34878D82A}">
-                    <a16:rowId xmlns:a16="http://schemas.microsoft.com/office/drawing/2014/main" val="10006"/>
-                  </a:ext>
-                </a:extLst>
-              </a:tr>
-              <a:tr h="231791">
-                <a:tc>
-                  <a:txBody>
-                    <a:bodyPr/>
-                    <a:lstStyle/>
-                    <a:p>
-                      <a:pPr>
-                        <a:lnSpc>
-                          <a:spcPct val="115000"/>
-                        </a:lnSpc>
-                        <a:spcAft>
-                          <a:spcPts val="0"/>
-                        </a:spcAft>
-                      </a:pPr>
-                      <a:r>
-                        <a:rPr lang="pt-BR" sz="1100">
-                          <a:effectLst/>
-                        </a:rPr>
-                        <a:t>Ações do Ator</a:t>
-                      </a:r>
-                      <a:endParaRPr lang="pt-BR" sz="1100">
-                        <a:effectLst/>
-                        <a:latin typeface="Calibri"/>
-                        <a:ea typeface="Calibri"/>
-                        <a:cs typeface="Times New Roman"/>
-                      </a:endParaRPr>
-                    </a:p>
-                  </a:txBody>
-                  <a:tcPr marL="68584" marR="68584" marT="0" marB="0"/>
-                </a:tc>
-                <a:tc>
-                  <a:txBody>
-                    <a:bodyPr/>
-                    <a:lstStyle/>
-                    <a:p>
-                      <a:pPr>
-                        <a:lnSpc>
-                          <a:spcPct val="115000"/>
-                        </a:lnSpc>
-                        <a:spcAft>
-                          <a:spcPts val="0"/>
-                        </a:spcAft>
-                      </a:pPr>
-                      <a:r>
-                        <a:rPr lang="pt-BR" sz="1100" dirty="0">
-                          <a:effectLst/>
-                        </a:rPr>
-                        <a:t>Ações do Sistema</a:t>
-                      </a:r>
-                      <a:endParaRPr lang="pt-BR" sz="1100" dirty="0">
-                        <a:effectLst/>
-                        <a:latin typeface="Calibri"/>
-                        <a:ea typeface="Calibri"/>
-                        <a:cs typeface="Times New Roman"/>
-                      </a:endParaRPr>
-                    </a:p>
-                  </a:txBody>
-                  <a:tcPr marL="68584" marR="68584" marT="0" marB="0"/>
-                </a:tc>
-                <a:extLst>
-                  <a:ext uri="{0D108BD9-81ED-4DB2-BD59-A6C34878D82A}">
-                    <a16:rowId xmlns:a16="http://schemas.microsoft.com/office/drawing/2014/main" val="10007"/>
-                  </a:ext>
-                </a:extLst>
-              </a:tr>
-              <a:tr h="231791">
-                <a:tc>
-                  <a:txBody>
-                    <a:bodyPr/>
-                    <a:lstStyle/>
-                    <a:p>
-                      <a:pPr marL="0" lvl="0" indent="0">
-                        <a:lnSpc>
-                          <a:spcPct val="115000"/>
-                        </a:lnSpc>
-                        <a:spcAft>
-                          <a:spcPts val="0"/>
-                        </a:spcAft>
-                        <a:buFont typeface="+mj-lt"/>
-                        <a:buNone/>
-                      </a:pPr>
-                      <a:r>
-                        <a:rPr lang="pt-BR" sz="1100" dirty="0">
-                          <a:effectLst/>
-                        </a:rPr>
-                        <a:t>1.</a:t>
-                      </a:r>
-                      <a:r>
-                        <a:rPr lang="pt-BR" sz="1100" baseline="0" dirty="0">
-                          <a:effectLst/>
-                        </a:rPr>
-                        <a:t> </a:t>
-                      </a:r>
-                      <a:r>
-                        <a:rPr lang="pt-BR" sz="1100" dirty="0">
-                          <a:effectLst/>
-                        </a:rPr>
-                        <a:t>Verificar se a venda existe</a:t>
-                      </a:r>
-                      <a:endParaRPr lang="pt-BR" sz="1100" dirty="0">
-                        <a:effectLst/>
-                        <a:latin typeface="Calibri"/>
-                        <a:ea typeface="Calibri"/>
-                        <a:cs typeface="Times New Roman"/>
-                      </a:endParaRPr>
-                    </a:p>
-                  </a:txBody>
-                  <a:tcPr marL="68584" marR="68584" marT="0" marB="0"/>
-                </a:tc>
-                <a:tc>
-                  <a:txBody>
-                    <a:bodyPr/>
-                    <a:lstStyle/>
-                    <a:p>
-                      <a:pPr>
-                        <a:lnSpc>
-                          <a:spcPct val="115000"/>
-                        </a:lnSpc>
-                        <a:spcAft>
-                          <a:spcPts val="0"/>
-                        </a:spcAft>
-                      </a:pPr>
-                      <a:r>
-                        <a:rPr lang="pt-BR" sz="1100">
-                          <a:effectLst/>
-                        </a:rPr>
-                        <a:t> </a:t>
-                      </a:r>
-                      <a:endParaRPr lang="pt-BR" sz="1100">
-                        <a:effectLst/>
-                        <a:latin typeface="Calibri"/>
-                        <a:ea typeface="Calibri"/>
-                        <a:cs typeface="Times New Roman"/>
-                      </a:endParaRPr>
-                    </a:p>
-                  </a:txBody>
-                  <a:tcPr marL="68584" marR="68584" marT="0" marB="0"/>
-                </a:tc>
-                <a:extLst>
-                  <a:ext uri="{0D108BD9-81ED-4DB2-BD59-A6C34878D82A}">
-                    <a16:rowId xmlns:a16="http://schemas.microsoft.com/office/drawing/2014/main" val="10008"/>
-                  </a:ext>
-                </a:extLst>
-              </a:tr>
-              <a:tr h="231791">
-                <a:tc>
-                  <a:txBody>
-                    <a:bodyPr/>
-                    <a:lstStyle/>
-                    <a:p>
-                      <a:pPr>
-                        <a:lnSpc>
-                          <a:spcPct val="115000"/>
-                        </a:lnSpc>
-                        <a:spcAft>
-                          <a:spcPts val="0"/>
-                        </a:spcAft>
-                      </a:pPr>
-                      <a:r>
-                        <a:rPr lang="pt-BR" sz="1100">
-                          <a:effectLst/>
-                        </a:rPr>
-                        <a:t> </a:t>
-                      </a:r>
-                      <a:endParaRPr lang="pt-BR" sz="1100">
-                        <a:effectLst/>
-                        <a:latin typeface="Calibri"/>
-                        <a:ea typeface="Calibri"/>
-                        <a:cs typeface="Times New Roman"/>
-                      </a:endParaRPr>
-                    </a:p>
-                  </a:txBody>
-                  <a:tcPr marL="68584" marR="68584" marT="0" marB="0"/>
-                </a:tc>
-                <a:tc>
-                  <a:txBody>
-                    <a:bodyPr/>
-                    <a:lstStyle/>
-                    <a:p>
-                      <a:pPr marL="0" lvl="0" indent="0">
-                        <a:lnSpc>
-                          <a:spcPct val="115000"/>
-                        </a:lnSpc>
-                        <a:spcAft>
-                          <a:spcPts val="0"/>
-                        </a:spcAft>
-                        <a:buFont typeface="+mj-lt"/>
-                        <a:buNone/>
-                      </a:pPr>
-                      <a:r>
-                        <a:rPr lang="pt-BR" sz="1100" dirty="0">
-                          <a:effectLst/>
-                        </a:rPr>
-                        <a:t>2. Consultar pelo ID da venda</a:t>
-                      </a:r>
-                      <a:endParaRPr lang="pt-BR" sz="1100" dirty="0">
-                        <a:effectLst/>
-                        <a:latin typeface="Calibri"/>
-                        <a:ea typeface="Calibri"/>
-                        <a:cs typeface="Times New Roman"/>
-                      </a:endParaRPr>
-                    </a:p>
-                  </a:txBody>
-                  <a:tcPr marL="68584" marR="68584" marT="0" marB="0"/>
-                </a:tc>
-                <a:extLst>
-                  <a:ext uri="{0D108BD9-81ED-4DB2-BD59-A6C34878D82A}">
-                    <a16:rowId xmlns:a16="http://schemas.microsoft.com/office/drawing/2014/main" val="10009"/>
-                  </a:ext>
-                </a:extLst>
-              </a:tr>
-              <a:tr h="231791">
-                <a:tc>
-                  <a:txBody>
-                    <a:bodyPr/>
-                    <a:lstStyle/>
-                    <a:p>
-                      <a:pPr marL="0" lvl="0" indent="0">
-                        <a:lnSpc>
-                          <a:spcPct val="115000"/>
-                        </a:lnSpc>
-                        <a:spcAft>
-                          <a:spcPts val="0"/>
-                        </a:spcAft>
-                        <a:buFont typeface="+mj-lt"/>
-                        <a:buNone/>
-                      </a:pPr>
-                      <a:r>
-                        <a:rPr lang="pt-BR" sz="1100" dirty="0">
-                          <a:effectLst/>
-                        </a:rPr>
-                        <a:t>3. Verificar pagamento</a:t>
-                      </a:r>
-                      <a:endParaRPr lang="pt-BR" sz="1100" dirty="0">
-                        <a:effectLst/>
-                        <a:latin typeface="Calibri"/>
-                        <a:ea typeface="Calibri"/>
-                        <a:cs typeface="Times New Roman"/>
-                      </a:endParaRPr>
-                    </a:p>
-                  </a:txBody>
-                  <a:tcPr marL="68584" marR="68584" marT="0" marB="0"/>
-                </a:tc>
-                <a:tc>
-                  <a:txBody>
-                    <a:bodyPr/>
-                    <a:lstStyle/>
-                    <a:p>
-                      <a:pPr>
-                        <a:lnSpc>
-                          <a:spcPct val="115000"/>
-                        </a:lnSpc>
-                        <a:spcAft>
-                          <a:spcPts val="0"/>
-                        </a:spcAft>
-                      </a:pPr>
-                      <a:r>
-                        <a:rPr lang="pt-BR" sz="1100">
-                          <a:effectLst/>
-                        </a:rPr>
-                        <a:t> </a:t>
-                      </a:r>
-                      <a:endParaRPr lang="pt-BR" sz="1100">
-                        <a:effectLst/>
-                        <a:latin typeface="Calibri"/>
-                        <a:ea typeface="Calibri"/>
-                        <a:cs typeface="Times New Roman"/>
-                      </a:endParaRPr>
-                    </a:p>
-                  </a:txBody>
-                  <a:tcPr marL="68584" marR="68584" marT="0" marB="0"/>
-                </a:tc>
-                <a:extLst>
-                  <a:ext uri="{0D108BD9-81ED-4DB2-BD59-A6C34878D82A}">
-                    <a16:rowId xmlns:a16="http://schemas.microsoft.com/office/drawing/2014/main" val="10010"/>
-                  </a:ext>
-                </a:extLst>
-              </a:tr>
-              <a:tr h="231791">
-                <a:tc>
-                  <a:txBody>
-                    <a:bodyPr/>
-                    <a:lstStyle/>
-                    <a:p>
-                      <a:pPr>
-                        <a:lnSpc>
-                          <a:spcPct val="115000"/>
-                        </a:lnSpc>
-                        <a:spcAft>
-                          <a:spcPts val="0"/>
-                        </a:spcAft>
-                      </a:pPr>
-                      <a:r>
-                        <a:rPr lang="pt-BR" sz="1100" dirty="0">
-                          <a:effectLst/>
-                        </a:rPr>
-                        <a:t> </a:t>
-                      </a:r>
-                      <a:endParaRPr lang="pt-BR" sz="1100" dirty="0">
-                        <a:effectLst/>
-                        <a:latin typeface="Calibri"/>
-                        <a:ea typeface="Calibri"/>
-                        <a:cs typeface="Times New Roman"/>
-                      </a:endParaRPr>
-                    </a:p>
-                  </a:txBody>
-                  <a:tcPr marL="68584" marR="68584" marT="0" marB="0"/>
-                </a:tc>
-                <a:tc>
-                  <a:txBody>
-                    <a:bodyPr/>
-                    <a:lstStyle/>
-                    <a:p>
-                      <a:pPr marL="0" lvl="0" indent="0">
-                        <a:lnSpc>
-                          <a:spcPct val="115000"/>
-                        </a:lnSpc>
-                        <a:spcAft>
-                          <a:spcPts val="0"/>
-                        </a:spcAft>
-                        <a:buFont typeface="+mj-lt"/>
-                        <a:buNone/>
-                      </a:pPr>
-                      <a:r>
-                        <a:rPr lang="pt-BR" sz="1100" dirty="0">
-                          <a:effectLst/>
-                        </a:rPr>
-                        <a:t>4. Consultar a conta pelo CPF do cliente</a:t>
-                      </a:r>
-                      <a:endParaRPr lang="pt-BR" sz="1100" dirty="0">
-                        <a:effectLst/>
-                        <a:latin typeface="Calibri"/>
-                        <a:ea typeface="Calibri"/>
-                        <a:cs typeface="Times New Roman"/>
-                      </a:endParaRPr>
-                    </a:p>
-                  </a:txBody>
-                  <a:tcPr marL="68584" marR="68584" marT="0" marB="0"/>
-                </a:tc>
-                <a:extLst>
-                  <a:ext uri="{0D108BD9-81ED-4DB2-BD59-A6C34878D82A}">
-                    <a16:rowId xmlns:a16="http://schemas.microsoft.com/office/drawing/2014/main" val="10011"/>
-                  </a:ext>
-                </a:extLst>
-              </a:tr>
-              <a:tr h="231791">
-                <a:tc>
-                  <a:txBody>
-                    <a:bodyPr/>
-                    <a:lstStyle/>
-                    <a:p>
-                      <a:pPr marL="0" lvl="0" indent="0">
-                        <a:lnSpc>
-                          <a:spcPct val="115000"/>
-                        </a:lnSpc>
-                        <a:spcAft>
-                          <a:spcPts val="0"/>
-                        </a:spcAft>
-                        <a:buFont typeface="+mj-lt"/>
-                        <a:buNone/>
-                      </a:pPr>
-                      <a:r>
-                        <a:rPr lang="pt-BR" sz="1100" dirty="0">
-                          <a:effectLst/>
-                        </a:rPr>
-                        <a:t>5.  Finalizar compra</a:t>
-                      </a:r>
-                      <a:endParaRPr lang="pt-BR" sz="1100" dirty="0">
-                        <a:effectLst/>
-                        <a:latin typeface="Calibri"/>
-                        <a:ea typeface="Calibri"/>
-                        <a:cs typeface="Times New Roman"/>
-                      </a:endParaRPr>
-                    </a:p>
-                  </a:txBody>
-                  <a:tcPr marL="68584" marR="68584" marT="0" marB="0"/>
-                </a:tc>
-                <a:tc>
-                  <a:txBody>
-                    <a:bodyPr/>
-                    <a:lstStyle/>
-                    <a:p>
-                      <a:pPr>
-                        <a:lnSpc>
-                          <a:spcPct val="115000"/>
-                        </a:lnSpc>
-                        <a:spcAft>
-                          <a:spcPts val="0"/>
-                        </a:spcAft>
-                      </a:pPr>
-                      <a:r>
-                        <a:rPr lang="pt-BR" sz="1100">
-                          <a:effectLst/>
-                        </a:rPr>
-                        <a:t> </a:t>
-                      </a:r>
-                      <a:endParaRPr lang="pt-BR" sz="1100">
-                        <a:effectLst/>
-                        <a:latin typeface="Calibri"/>
-                        <a:ea typeface="Calibri"/>
-                        <a:cs typeface="Times New Roman"/>
-                      </a:endParaRPr>
-                    </a:p>
-                  </a:txBody>
-                  <a:tcPr marL="68584" marR="68584" marT="0" marB="0"/>
-                </a:tc>
-                <a:extLst>
-                  <a:ext uri="{0D108BD9-81ED-4DB2-BD59-A6C34878D82A}">
-                    <a16:rowId xmlns:a16="http://schemas.microsoft.com/office/drawing/2014/main" val="10012"/>
-                  </a:ext>
-                </a:extLst>
-              </a:tr>
-              <a:tr h="231791">
-                <a:tc>
-                  <a:txBody>
-                    <a:bodyPr/>
-                    <a:lstStyle/>
-                    <a:p>
-                      <a:pPr>
-                        <a:lnSpc>
-                          <a:spcPct val="115000"/>
-                        </a:lnSpc>
-                        <a:spcAft>
-                          <a:spcPts val="0"/>
-                        </a:spcAft>
-                      </a:pPr>
-                      <a:r>
-                        <a:rPr lang="pt-BR" sz="1100">
-                          <a:effectLst/>
-                        </a:rPr>
-                        <a:t> </a:t>
-                      </a:r>
-                      <a:endParaRPr lang="pt-BR" sz="1100">
-                        <a:effectLst/>
-                        <a:latin typeface="Calibri"/>
-                        <a:ea typeface="Calibri"/>
-                        <a:cs typeface="Times New Roman"/>
-                      </a:endParaRPr>
-                    </a:p>
-                  </a:txBody>
-                  <a:tcPr marL="68584" marR="68584" marT="0" marB="0"/>
-                </a:tc>
-                <a:tc>
-                  <a:txBody>
-                    <a:bodyPr/>
-                    <a:lstStyle/>
-                    <a:p>
-                      <a:pPr marL="0" lvl="0" indent="0">
-                        <a:lnSpc>
-                          <a:spcPct val="115000"/>
-                        </a:lnSpc>
-                        <a:spcAft>
-                          <a:spcPts val="0"/>
-                        </a:spcAft>
-                        <a:buFont typeface="+mj-lt"/>
-                        <a:buNone/>
-                      </a:pPr>
-                      <a:r>
-                        <a:rPr lang="pt-BR" sz="1100" dirty="0">
-                          <a:effectLst/>
-                        </a:rPr>
-                        <a:t>6. Emitir nota fiscal</a:t>
-                      </a:r>
-                      <a:endParaRPr lang="pt-BR" sz="1100" dirty="0">
-                        <a:effectLst/>
-                        <a:latin typeface="Calibri"/>
-                        <a:ea typeface="Calibri"/>
-                        <a:cs typeface="Times New Roman"/>
-                      </a:endParaRPr>
-                    </a:p>
-                  </a:txBody>
-                  <a:tcPr marL="68584" marR="68584" marT="0" marB="0"/>
-                </a:tc>
-                <a:extLst>
-                  <a:ext uri="{0D108BD9-81ED-4DB2-BD59-A6C34878D82A}">
-                    <a16:rowId xmlns:a16="http://schemas.microsoft.com/office/drawing/2014/main" val="10013"/>
-                  </a:ext>
-                </a:extLst>
-              </a:tr>
-              <a:tr h="231791">
-                <a:tc>
-                  <a:txBody>
-                    <a:bodyPr/>
-                    <a:lstStyle/>
-                    <a:p>
-                      <a:pPr>
-                        <a:lnSpc>
-                          <a:spcPct val="115000"/>
-                        </a:lnSpc>
-                        <a:spcAft>
-                          <a:spcPts val="0"/>
-                        </a:spcAft>
-                      </a:pPr>
-                      <a:r>
-                        <a:rPr lang="pt-BR" sz="1100">
-                          <a:effectLst/>
-                        </a:rPr>
-                        <a:t>Restrições /Validações</a:t>
-                      </a:r>
-                      <a:endParaRPr lang="pt-BR" sz="1100">
-                        <a:effectLst/>
-                        <a:latin typeface="Calibri"/>
-                        <a:ea typeface="Calibri"/>
-                        <a:cs typeface="Times New Roman"/>
-                      </a:endParaRPr>
-                    </a:p>
-                  </a:txBody>
-                  <a:tcPr marL="68584" marR="68584" marT="0" marB="0"/>
-                </a:tc>
-                <a:tc>
-                  <a:txBody>
-                    <a:bodyPr/>
-                    <a:lstStyle/>
-                    <a:p>
-                      <a:pPr marL="0" lvl="0" indent="0">
-                        <a:lnSpc>
-                          <a:spcPct val="115000"/>
-                        </a:lnSpc>
-                        <a:spcAft>
-                          <a:spcPts val="0"/>
-                        </a:spcAft>
-                        <a:buFont typeface="+mj-lt"/>
-                        <a:buNone/>
-                      </a:pPr>
-                      <a:r>
-                        <a:rPr lang="pt-BR" sz="1100" dirty="0">
-                          <a:effectLst/>
-                        </a:rPr>
-                        <a:t>7. É necessário possuir um cadastro parar comprar </a:t>
-                      </a:r>
-                      <a:endParaRPr lang="pt-BR" sz="1100" dirty="0">
-                        <a:effectLst/>
-                        <a:latin typeface="Calibri"/>
-                        <a:ea typeface="Calibri"/>
-                        <a:cs typeface="Times New Roman"/>
-                      </a:endParaRPr>
-                    </a:p>
-                  </a:txBody>
-                  <a:tcPr marL="68584" marR="68584" marT="0" marB="0"/>
-                </a:tc>
-                <a:extLst>
-                  <a:ext uri="{0D108BD9-81ED-4DB2-BD59-A6C34878D82A}">
-                    <a16:rowId xmlns:a16="http://schemas.microsoft.com/office/drawing/2014/main" val="10014"/>
-                  </a:ext>
-                </a:extLst>
-              </a:tr>
-              <a:tr h="231791">
-                <a:tc>
-                  <a:txBody>
-                    <a:bodyPr/>
-                    <a:lstStyle/>
-                    <a:p>
-                      <a:pPr>
-                        <a:lnSpc>
-                          <a:spcPct val="115000"/>
-                        </a:lnSpc>
-                        <a:spcAft>
-                          <a:spcPts val="0"/>
-                        </a:spcAft>
-                      </a:pPr>
-                      <a:r>
-                        <a:rPr lang="pt-BR" sz="1100">
-                          <a:effectLst/>
-                        </a:rPr>
-                        <a:t> </a:t>
-                      </a:r>
-                      <a:endParaRPr lang="pt-BR" sz="1100">
-                        <a:effectLst/>
-                        <a:latin typeface="Calibri"/>
-                        <a:ea typeface="Calibri"/>
-                        <a:cs typeface="Times New Roman"/>
-                      </a:endParaRPr>
-                    </a:p>
-                  </a:txBody>
-                  <a:tcPr marL="68584" marR="68584" marT="0" marB="0"/>
-                </a:tc>
-                <a:tc>
-                  <a:txBody>
-                    <a:bodyPr/>
-                    <a:lstStyle/>
-                    <a:p>
-                      <a:pPr marL="0" lvl="0" indent="0">
-                        <a:lnSpc>
-                          <a:spcPct val="115000"/>
-                        </a:lnSpc>
-                        <a:spcAft>
-                          <a:spcPts val="0"/>
-                        </a:spcAft>
-                        <a:buFont typeface="+mj-lt"/>
-                        <a:buNone/>
-                      </a:pPr>
-                      <a:r>
-                        <a:rPr lang="pt-BR" sz="1100" dirty="0">
-                          <a:effectLst/>
-                        </a:rPr>
-                        <a:t>8. É necessário realizar uma compra para validar</a:t>
-                      </a:r>
-                      <a:endParaRPr lang="pt-BR" sz="1100" dirty="0">
-                        <a:effectLst/>
-                        <a:latin typeface="Calibri"/>
-                        <a:ea typeface="Calibri"/>
-                        <a:cs typeface="Times New Roman"/>
-                      </a:endParaRPr>
-                    </a:p>
-                  </a:txBody>
-                  <a:tcPr marL="68584" marR="68584" marT="0" marB="0"/>
-                </a:tc>
-                <a:extLst>
-                  <a:ext uri="{0D108BD9-81ED-4DB2-BD59-A6C34878D82A}">
-                    <a16:rowId xmlns:a16="http://schemas.microsoft.com/office/drawing/2014/main" val="10015"/>
-                  </a:ext>
-                </a:extLst>
-              </a:tr>
-            </a:tbl>
-          </a:graphicData>
-        </a:graphic>
-      </p:graphicFrame>
-      <p:pic>
-        <p:nvPicPr>
-          <p:cNvPr id="6" name="Imagem 5"/>
-          <p:cNvPicPr>
-            <a:picLocks noChangeAspect="1"/>
-          </p:cNvPicPr>
-          <p:nvPr/>
-        </p:nvPicPr>
-        <p:blipFill>
-          <a:blip r:embed="rId4">
-            <a:extLst>
-              <a:ext uri="{28A0092B-C50C-407E-A947-70E740481C1C}">
-                <a14:useLocalDpi xmlns:a14="http://schemas.microsoft.com/office/drawing/2010/main" val="0"/>
-              </a:ext>
-            </a:extLst>
-          </a:blip>
-          <a:stretch>
-            <a:fillRect/>
-          </a:stretch>
-        </p:blipFill>
-        <p:spPr>
-          <a:xfrm>
-            <a:off x="131710" y="125403"/>
-            <a:ext cx="2034862" cy="820690"/>
-          </a:xfrm>
-          <a:prstGeom prst="rect">
-            <a:avLst/>
-          </a:prstGeom>
-        </p:spPr>
-      </p:pic>
-    </p:spTree>
-    <p:extLst>
-      <p:ext uri="{BB962C8B-B14F-4D97-AF65-F5344CB8AC3E}">
-        <p14:creationId xmlns:p14="http://schemas.microsoft.com/office/powerpoint/2010/main" val="3365646443"/>
-      </p:ext>
-    </p:extLst>
-  </p:cSld>
-  <p:clrMapOvr>
-    <a:masterClrMapping/>
-  </p:clrMapOvr>
-</p:sld>
-</file>
-
-<file path=ppt/slides/slide6.xml><?xml version="1.0" encoding="utf-8"?>
-<p:sld xmlns:a="http://schemas.openxmlformats.org/drawingml/2006/main" xmlns:r="http://schemas.openxmlformats.org/officeDocument/2006/relationships" xmlns:p="http://schemas.openxmlformats.org/presentationml/2006/main">
-  <p:cSld>
-    <p:spTree>
-      <p:nvGrpSpPr>
-        <p:cNvPr id="1" name=""/>
-        <p:cNvGrpSpPr/>
-        <p:nvPr/>
-      </p:nvGrpSpPr>
-      <p:grpSpPr>
-        <a:xfrm>
-          <a:off x="0" y="0"/>
-          <a:ext cx="0" cy="0"/>
-          <a:chOff x="0" y="0"/>
-          <a:chExt cx="0" cy="0"/>
-        </a:xfrm>
-      </p:grpSpPr>
       <p:sp>
         <p:nvSpPr>
           <p:cNvPr id="3" name="Espaço Reservado para Conteúdo 2"/>
@@ -13665,7 +12657,7 @@
 </p:sld>
 </file>
 
-<file path=ppt/slides/slide7.xml><?xml version="1.0" encoding="utf-8"?>
+<file path=ppt/slides/slide6.xml><?xml version="1.0" encoding="utf-8"?>
 <p:sld xmlns:a="http://schemas.openxmlformats.org/drawingml/2006/main" xmlns:r="http://schemas.openxmlformats.org/officeDocument/2006/relationships" xmlns:p="http://schemas.openxmlformats.org/presentationml/2006/main">
   <p:cSld>
     <p:spTree>
@@ -14121,7 +13113,7 @@
 </p:sld>
 </file>
 
-<file path=ppt/slides/slide8.xml><?xml version="1.0" encoding="utf-8"?>
+<file path=ppt/slides/slide7.xml><?xml version="1.0" encoding="utf-8"?>
 <p:sld xmlns:a="http://schemas.openxmlformats.org/drawingml/2006/main" xmlns:r="http://schemas.openxmlformats.org/officeDocument/2006/relationships" xmlns:p="http://schemas.openxmlformats.org/presentationml/2006/main">
   <p:cSld>
     <p:spTree>
@@ -14589,7 +13581,7 @@
 </p:sld>
 </file>
 
-<file path=ppt/slides/slide9.xml><?xml version="1.0" encoding="utf-8"?>
+<file path=ppt/slides/slide8.xml><?xml version="1.0" encoding="utf-8"?>
 <p:sld xmlns:a="http://schemas.openxmlformats.org/drawingml/2006/main" xmlns:r="http://schemas.openxmlformats.org/officeDocument/2006/relationships" xmlns:p="http://schemas.openxmlformats.org/presentationml/2006/main">
   <p:cSld>
     <p:spTree>
@@ -15030,6 +14022,196 @@
     <p:extLst>
       <p:ext uri="{BB962C8B-B14F-4D97-AF65-F5344CB8AC3E}">
         <p14:creationId xmlns:p14="http://schemas.microsoft.com/office/powerpoint/2010/main" val="1731929013"/>
+      </p:ext>
+    </p:extLst>
+  </p:cSld>
+  <p:clrMapOvr>
+    <a:masterClrMapping/>
+  </p:clrMapOvr>
+</p:sld>
+</file>
+
+<file path=ppt/slides/slide9.xml><?xml version="1.0" encoding="utf-8"?>
+<p:sld xmlns:a="http://schemas.openxmlformats.org/drawingml/2006/main" xmlns:r="http://schemas.openxmlformats.org/officeDocument/2006/relationships" xmlns:p="http://schemas.openxmlformats.org/presentationml/2006/main">
+  <p:cSld>
+    <p:spTree>
+      <p:nvGrpSpPr>
+        <p:cNvPr id="1" name=""/>
+        <p:cNvGrpSpPr/>
+        <p:nvPr/>
+      </p:nvGrpSpPr>
+      <p:grpSpPr>
+        <a:xfrm>
+          <a:off x="0" y="0"/>
+          <a:ext cx="0" cy="0"/>
+          <a:chOff x="0" y="0"/>
+          <a:chExt cx="0" cy="0"/>
+        </a:xfrm>
+      </p:grpSpPr>
+      <p:sp>
+        <p:nvSpPr>
+          <p:cNvPr id="3" name="Espaço Reservado para Conteúdo 2"/>
+          <p:cNvSpPr>
+            <a:spLocks noGrp="1"/>
+          </p:cNvSpPr>
+          <p:nvPr>
+            <p:ph idx="1"/>
+          </p:nvPr>
+        </p:nvSpPr>
+        <p:spPr>
+          <a:xfrm>
+            <a:off x="1056068" y="2292438"/>
+            <a:ext cx="10238146" cy="4752305"/>
+          </a:xfrm>
+        </p:spPr>
+        <p:txBody>
+          <a:bodyPr>
+            <a:normAutofit/>
+          </a:bodyPr>
+          <a:lstStyle/>
+          <a:p>
+            <a:pPr>
+              <a:buFont typeface="Wingdings" panose="05000000000000000000" pitchFamily="2" charset="2"/>
+              <a:buChar char="Ø"/>
+            </a:pPr>
+            <a:r>
+              <a:rPr lang="pt-BR" sz="2800" dirty="0"/>
+              <a:t>Sprint Backlog: </a:t>
+            </a:r>
+          </a:p>
+          <a:p>
+            <a:pPr lvl="1">
+              <a:lnSpc>
+                <a:spcPct val="150000"/>
+              </a:lnSpc>
+              <a:buFont typeface="Wingdings" panose="05000000000000000000" pitchFamily="2" charset="2"/>
+              <a:buChar char="ü"/>
+            </a:pPr>
+            <a:r>
+              <a:rPr lang="pt-BR" sz="2400" dirty="0"/>
+              <a:t>Testes do software:</a:t>
+            </a:r>
+          </a:p>
+          <a:p>
+            <a:pPr lvl="1">
+              <a:lnSpc>
+                <a:spcPct val="150000"/>
+              </a:lnSpc>
+              <a:buFont typeface="Wingdings" panose="05000000000000000000" pitchFamily="2" charset="2"/>
+              <a:buChar char="ü"/>
+            </a:pPr>
+            <a:r>
+              <a:rPr lang="pt-BR" sz="2400" dirty="0" err="1"/>
+              <a:t>Assert</a:t>
+            </a:r>
+            <a:r>
+              <a:rPr lang="pt-BR" sz="2400" dirty="0"/>
+              <a:t> </a:t>
+            </a:r>
+            <a:r>
+              <a:rPr lang="pt-BR" sz="2400" dirty="0" err="1"/>
+              <a:t>True</a:t>
+            </a:r>
+            <a:r>
+              <a:rPr lang="pt-BR" sz="2400" dirty="0"/>
+              <a:t> –  Verificar se o dado foi cadastrado no banco;</a:t>
+            </a:r>
+          </a:p>
+          <a:p>
+            <a:pPr lvl="1">
+              <a:lnSpc>
+                <a:spcPct val="150000"/>
+              </a:lnSpc>
+              <a:buFont typeface="Wingdings" panose="05000000000000000000" pitchFamily="2" charset="2"/>
+              <a:buChar char="ü"/>
+            </a:pPr>
+            <a:r>
+              <a:rPr lang="pt-BR" sz="2400" dirty="0"/>
+              <a:t>Assert Equals – Verificar a integridade do dado.</a:t>
+            </a:r>
+          </a:p>
+        </p:txBody>
+      </p:sp>
+      <p:pic>
+        <p:nvPicPr>
+          <p:cNvPr id="4" name="Imagem 3"/>
+          <p:cNvPicPr>
+            <a:picLocks noChangeAspect="1"/>
+          </p:cNvPicPr>
+          <p:nvPr/>
+        </p:nvPicPr>
+        <p:blipFill>
+          <a:blip r:embed="rId2">
+            <a:extLst>
+              <a:ext uri="{28A0092B-C50C-407E-A947-70E740481C1C}">
+                <a14:useLocalDpi xmlns:a14="http://schemas.microsoft.com/office/drawing/2010/main" val="0"/>
+              </a:ext>
+            </a:extLst>
+          </a:blip>
+          <a:stretch>
+            <a:fillRect/>
+          </a:stretch>
+        </p:blipFill>
+        <p:spPr>
+          <a:xfrm>
+            <a:off x="128789" y="117538"/>
+            <a:ext cx="2034862" cy="820690"/>
+          </a:xfrm>
+          <a:prstGeom prst="rect">
+            <a:avLst/>
+          </a:prstGeom>
+        </p:spPr>
+      </p:pic>
+      <p:sp>
+        <p:nvSpPr>
+          <p:cNvPr id="6" name="CaixaDeTexto 5"/>
+          <p:cNvSpPr txBox="1"/>
+          <p:nvPr/>
+        </p:nvSpPr>
+        <p:spPr>
+          <a:xfrm>
+            <a:off x="2163651" y="951965"/>
+            <a:ext cx="8886422" cy="954107"/>
+          </a:xfrm>
+          <a:prstGeom prst="rect">
+            <a:avLst/>
+          </a:prstGeom>
+          <a:noFill/>
+        </p:spPr>
+        <p:txBody>
+          <a:bodyPr wrap="square" rtlCol="0">
+            <a:spAutoFit/>
+          </a:bodyPr>
+          <a:lstStyle/>
+          <a:p>
+            <a:r>
+              <a:rPr lang="pt-BR" sz="2800" dirty="0">
+                <a:solidFill>
+                  <a:schemeClr val="tx1">
+                    <a:lumMod val="75000"/>
+                    <a:lumOff val="25000"/>
+                  </a:schemeClr>
+                </a:solidFill>
+              </a:rPr>
+              <a:t>Product Backlog: Testes do caso de uso.</a:t>
+            </a:r>
+          </a:p>
+          <a:p>
+            <a:endParaRPr lang="pt-BR" sz="2800" dirty="0">
+              <a:solidFill>
+                <a:schemeClr val="tx1">
+                  <a:lumMod val="75000"/>
+                  <a:lumOff val="25000"/>
+                </a:schemeClr>
+              </a:solidFill>
+            </a:endParaRPr>
+          </a:p>
+        </p:txBody>
+      </p:sp>
+    </p:spTree>
+    <p:extLst>
+      <p:ext uri="{BB962C8B-B14F-4D97-AF65-F5344CB8AC3E}">
+        <p14:creationId xmlns:p14="http://schemas.microsoft.com/office/powerpoint/2010/main" val="3214182499"/>
       </p:ext>
     </p:extLst>
   </p:cSld>
@@ -15822,7 +15004,7 @@
   <a:extraClrSchemeLst/>
   <a:extLst>
     <a:ext uri="{05A4C25C-085E-4340-85A3-A5531E510DB2}">
-      <thm15:themeFamily xmlns:thm15="http://schemas.microsoft.com/office/thememl/2012/main" name="Retrospect" id="{5F128B03-DCCA-4EEB-AB3B-CF2899314A46}" vid="{3F1AAB62-24C6-49D2-8E01-B56FAC9A3DCD}"/>
+      <thm15:themeFamily xmlns:thm15="http://schemas.microsoft.com/office/thememl/2012/main" xmlns="" name="Retrospect" id="{5F128B03-DCCA-4EEB-AB3B-CF2899314A46}" vid="{3F1AAB62-24C6-49D2-8E01-B56FAC9A3DCD}"/>
     </a:ext>
   </a:extLst>
 </a:theme>
